--- a/pics/CT_Convolution/pics.pptx
+++ b/pics/CT_Convolution/pics.pptx
@@ -6,6 +6,7 @@
   </p:sldMasterIdLst>
   <p:sldIdLst>
     <p:sldId id="256" r:id="rId2"/>
+    <p:sldId id="257" r:id="rId3"/>
   </p:sldIdLst>
   <p:sldSz cx="12192000" cy="6858000"/>
   <p:notesSz cx="6858000" cy="9144000"/>
@@ -104,6 +105,11 @@
       </a:defRPr>
     </a:lvl9pPr>
   </p:defaultTextStyle>
+  <p:extLst>
+    <p:ext uri="{EFAFB233-063F-42B5-8137-9DF3F51BA10A}">
+      <p15:sldGuideLst xmlns:p15="http://schemas.microsoft.com/office/powerpoint/2012/main"/>
+    </p:ext>
+  </p:extLst>
 </p:presentation>
 </file>
 
@@ -254,7 +260,7 @@
           <a:p>
             <a:fld id="{EF84A852-B59F-4959-A4DF-6ED35E71824E}" type="datetimeFigureOut">
               <a:rPr lang="ko-KR" altLang="en-US" smtClean="0"/>
-              <a:t>2019-07-06</a:t>
+              <a:t>2019-07-07</a:t>
             </a:fld>
             <a:endParaRPr lang="ko-KR" altLang="en-US"/>
           </a:p>
@@ -452,7 +458,7 @@
           <a:p>
             <a:fld id="{EF84A852-B59F-4959-A4DF-6ED35E71824E}" type="datetimeFigureOut">
               <a:rPr lang="ko-KR" altLang="en-US" smtClean="0"/>
-              <a:t>2019-07-06</a:t>
+              <a:t>2019-07-07</a:t>
             </a:fld>
             <a:endParaRPr lang="ko-KR" altLang="en-US"/>
           </a:p>
@@ -660,7 +666,7 @@
           <a:p>
             <a:fld id="{EF84A852-B59F-4959-A4DF-6ED35E71824E}" type="datetimeFigureOut">
               <a:rPr lang="ko-KR" altLang="en-US" smtClean="0"/>
-              <a:t>2019-07-06</a:t>
+              <a:t>2019-07-07</a:t>
             </a:fld>
             <a:endParaRPr lang="ko-KR" altLang="en-US"/>
           </a:p>
@@ -858,7 +864,7 @@
           <a:p>
             <a:fld id="{EF84A852-B59F-4959-A4DF-6ED35E71824E}" type="datetimeFigureOut">
               <a:rPr lang="ko-KR" altLang="en-US" smtClean="0"/>
-              <a:t>2019-07-06</a:t>
+              <a:t>2019-07-07</a:t>
             </a:fld>
             <a:endParaRPr lang="ko-KR" altLang="en-US"/>
           </a:p>
@@ -1133,7 +1139,7 @@
           <a:p>
             <a:fld id="{EF84A852-B59F-4959-A4DF-6ED35E71824E}" type="datetimeFigureOut">
               <a:rPr lang="ko-KR" altLang="en-US" smtClean="0"/>
-              <a:t>2019-07-06</a:t>
+              <a:t>2019-07-07</a:t>
             </a:fld>
             <a:endParaRPr lang="ko-KR" altLang="en-US"/>
           </a:p>
@@ -1398,7 +1404,7 @@
           <a:p>
             <a:fld id="{EF84A852-B59F-4959-A4DF-6ED35E71824E}" type="datetimeFigureOut">
               <a:rPr lang="ko-KR" altLang="en-US" smtClean="0"/>
-              <a:t>2019-07-06</a:t>
+              <a:t>2019-07-07</a:t>
             </a:fld>
             <a:endParaRPr lang="ko-KR" altLang="en-US"/>
           </a:p>
@@ -1810,7 +1816,7 @@
           <a:p>
             <a:fld id="{EF84A852-B59F-4959-A4DF-6ED35E71824E}" type="datetimeFigureOut">
               <a:rPr lang="ko-KR" altLang="en-US" smtClean="0"/>
-              <a:t>2019-07-06</a:t>
+              <a:t>2019-07-07</a:t>
             </a:fld>
             <a:endParaRPr lang="ko-KR" altLang="en-US"/>
           </a:p>
@@ -1951,7 +1957,7 @@
           <a:p>
             <a:fld id="{EF84A852-B59F-4959-A4DF-6ED35E71824E}" type="datetimeFigureOut">
               <a:rPr lang="ko-KR" altLang="en-US" smtClean="0"/>
-              <a:t>2019-07-06</a:t>
+              <a:t>2019-07-07</a:t>
             </a:fld>
             <a:endParaRPr lang="ko-KR" altLang="en-US"/>
           </a:p>
@@ -2064,7 +2070,7 @@
           <a:p>
             <a:fld id="{EF84A852-B59F-4959-A4DF-6ED35E71824E}" type="datetimeFigureOut">
               <a:rPr lang="ko-KR" altLang="en-US" smtClean="0"/>
-              <a:t>2019-07-06</a:t>
+              <a:t>2019-07-07</a:t>
             </a:fld>
             <a:endParaRPr lang="ko-KR" altLang="en-US"/>
           </a:p>
@@ -2375,7 +2381,7 @@
           <a:p>
             <a:fld id="{EF84A852-B59F-4959-A4DF-6ED35E71824E}" type="datetimeFigureOut">
               <a:rPr lang="ko-KR" altLang="en-US" smtClean="0"/>
-              <a:t>2019-07-06</a:t>
+              <a:t>2019-07-07</a:t>
             </a:fld>
             <a:endParaRPr lang="ko-KR" altLang="en-US"/>
           </a:p>
@@ -2663,7 +2669,7 @@
           <a:p>
             <a:fld id="{EF84A852-B59F-4959-A4DF-6ED35E71824E}" type="datetimeFigureOut">
               <a:rPr lang="ko-KR" altLang="en-US" smtClean="0"/>
-              <a:t>2019-07-06</a:t>
+              <a:t>2019-07-07</a:t>
             </a:fld>
             <a:endParaRPr lang="ko-KR" altLang="en-US"/>
           </a:p>
@@ -2904,7 +2910,7 @@
           <a:p>
             <a:fld id="{EF84A852-B59F-4959-A4DF-6ED35E71824E}" type="datetimeFigureOut">
               <a:rPr lang="ko-KR" altLang="en-US" smtClean="0"/>
-              <a:t>2019-07-06</a:t>
+              <a:t>2019-07-07</a:t>
             </a:fld>
             <a:endParaRPr lang="ko-KR" altLang="en-US"/>
           </a:p>
@@ -3735,8 +3741,8 @@
           </a:p>
         </p:txBody>
       </p:sp>
-      <mc:AlternateContent xmlns:mc="http://schemas.openxmlformats.org/markup-compatibility/2006">
-        <mc:Choice xmlns:a14="http://schemas.microsoft.com/office/drawing/2010/main" Requires="a14">
+      <mc:AlternateContent xmlns:mc="http://schemas.openxmlformats.org/markup-compatibility/2006" xmlns:a14="http://schemas.microsoft.com/office/drawing/2010/main">
+        <mc:Choice Requires="a14">
           <p:sp>
             <p:nvSpPr>
               <p:cNvPr id="19" name="TextBox 18">
@@ -3765,6 +3771,7 @@
               </a:bodyPr>
               <a:lstStyle/>
               <a:p>
+                <a:pPr/>
                 <a14:m>
                   <m:oMathPara xmlns:m="http://schemas.openxmlformats.org/officeDocument/2006/math">
                     <m:oMathParaPr>
@@ -3785,7 +3792,7 @@
             </p:txBody>
           </p:sp>
         </mc:Choice>
-        <mc:Fallback>
+        <mc:Fallback xmlns="">
           <p:sp>
             <p:nvSpPr>
               <p:cNvPr id="19" name="TextBox 18">
@@ -3830,8 +3837,8 @@
           </p:sp>
         </mc:Fallback>
       </mc:AlternateContent>
-      <mc:AlternateContent xmlns:mc="http://schemas.openxmlformats.org/markup-compatibility/2006">
-        <mc:Choice xmlns:a14="http://schemas.microsoft.com/office/drawing/2010/main" Requires="a14">
+      <mc:AlternateContent xmlns:mc="http://schemas.openxmlformats.org/markup-compatibility/2006" xmlns:a14="http://schemas.microsoft.com/office/drawing/2010/main">
+        <mc:Choice Requires="a14">
           <p:sp>
             <p:nvSpPr>
               <p:cNvPr id="20" name="TextBox 19">
@@ -3860,6 +3867,1341 @@
               </a:bodyPr>
               <a:lstStyle/>
               <a:p>
+                <a:pPr/>
+                <a14:m>
+                  <m:oMathPara xmlns:m="http://schemas.openxmlformats.org/officeDocument/2006/math">
+                    <m:oMathParaPr>
+                      <m:jc m:val="centerGroup"/>
+                    </m:oMathParaPr>
+                    <m:oMath xmlns:m="http://schemas.openxmlformats.org/officeDocument/2006/math">
+                      <m:r>
+                        <a:rPr lang="en-US" altLang="ko-KR" b="0" i="1" smtClean="0">
+                          <a:latin typeface="Cambria Math" panose="02040503050406030204" pitchFamily="18" charset="0"/>
+                        </a:rPr>
+                        <m:t>𝑥</m:t>
+                      </m:r>
+                      <m:r>
+                        <a:rPr lang="en-US" altLang="ko-KR" b="0" i="1" smtClean="0">
+                          <a:latin typeface="Cambria Math" panose="02040503050406030204" pitchFamily="18" charset="0"/>
+                        </a:rPr>
+                        <m:t>(</m:t>
+                      </m:r>
+                      <m:sSub>
+                        <m:sSubPr>
+                          <m:ctrlPr>
+                            <a:rPr lang="en-US" altLang="ko-KR" b="0" i="1" smtClean="0">
+                              <a:latin typeface="Cambria Math" panose="02040503050406030204" pitchFamily="18" charset="0"/>
+                            </a:rPr>
+                          </m:ctrlPr>
+                        </m:sSubPr>
+                        <m:e>
+                          <m:r>
+                            <a:rPr lang="en-US" altLang="ko-KR" b="0" i="1" smtClean="0">
+                              <a:latin typeface="Cambria Math" panose="02040503050406030204" pitchFamily="18" charset="0"/>
+                            </a:rPr>
+                            <m:t>𝑇</m:t>
+                          </m:r>
+                        </m:e>
+                        <m:sub>
+                          <m:r>
+                            <a:rPr lang="en-US" altLang="ko-KR" b="0" i="1" smtClean="0">
+                              <a:latin typeface="Cambria Math" panose="02040503050406030204" pitchFamily="18" charset="0"/>
+                            </a:rPr>
+                            <m:t>𝑠</m:t>
+                          </m:r>
+                        </m:sub>
+                      </m:sSub>
+                      <m:r>
+                        <a:rPr lang="en-US" altLang="ko-KR" b="0" i="1" smtClean="0">
+                          <a:latin typeface="Cambria Math" panose="02040503050406030204" pitchFamily="18" charset="0"/>
+                        </a:rPr>
+                        <m:t>)</m:t>
+                      </m:r>
+                    </m:oMath>
+                  </m:oMathPara>
+                </a14:m>
+                <a:endParaRPr lang="ko-KR" altLang="en-US" dirty="0"/>
+              </a:p>
+            </p:txBody>
+          </p:sp>
+        </mc:Choice>
+        <mc:Fallback xmlns="">
+          <p:sp>
+            <p:nvSpPr>
+              <p:cNvPr id="20" name="TextBox 19">
+                <a:extLst>
+                  <a:ext uri="{FF2B5EF4-FFF2-40B4-BE49-F238E27FC236}">
+                    <a16:creationId xmlns:a16="http://schemas.microsoft.com/office/drawing/2014/main" id="{3A1C9ACD-17D7-4CA6-B36F-CCE941DD0FF3}"/>
+                  </a:ext>
+                </a:extLst>
+              </p:cNvPr>
+              <p:cNvSpPr txBox="1">
+                <a:spLocks noRot="1" noChangeAspect="1" noMove="1" noResize="1" noEditPoints="1" noAdjustHandles="1" noChangeArrowheads="1" noChangeShapeType="1" noTextEdit="1"/>
+              </p:cNvSpPr>
+              <p:nvPr/>
+            </p:nvSpPr>
+            <p:spPr>
+              <a:xfrm>
+                <a:off x="861847" y="1693134"/>
+                <a:ext cx="790281" cy="369332"/>
+              </a:xfrm>
+              <a:prstGeom prst="rect">
+                <a:avLst/>
+              </a:prstGeom>
+              <a:blipFill>
+                <a:blip r:embed="rId8"/>
+                <a:stretch>
+                  <a:fillRect b="-16667"/>
+                </a:stretch>
+              </a:blipFill>
+            </p:spPr>
+            <p:txBody>
+              <a:bodyPr/>
+              <a:lstStyle/>
+              <a:p>
+                <a:r>
+                  <a:rPr lang="ko-KR" altLang="en-US">
+                    <a:noFill/>
+                  </a:rPr>
+                  <a:t> </a:t>
+                </a:r>
+              </a:p>
+            </p:txBody>
+          </p:sp>
+        </mc:Fallback>
+      </mc:AlternateContent>
+      <mc:AlternateContent xmlns:mc="http://schemas.openxmlformats.org/markup-compatibility/2006" xmlns:a14="http://schemas.microsoft.com/office/drawing/2010/main">
+        <mc:Choice Requires="a14">
+          <p:sp>
+            <p:nvSpPr>
+              <p:cNvPr id="21" name="TextBox 20">
+                <a:extLst>
+                  <a:ext uri="{FF2B5EF4-FFF2-40B4-BE49-F238E27FC236}">
+                    <a16:creationId xmlns:a16="http://schemas.microsoft.com/office/drawing/2014/main" id="{6227FF8A-6EC5-43FF-9524-AB3CCF817B1F}"/>
+                  </a:ext>
+                </a:extLst>
+              </p:cNvPr>
+              <p:cNvSpPr txBox="1"/>
+              <p:nvPr/>
+            </p:nvSpPr>
+            <p:spPr>
+              <a:xfrm>
+                <a:off x="1567685" y="2092946"/>
+                <a:ext cx="918521" cy="369332"/>
+              </a:xfrm>
+              <a:prstGeom prst="rect">
+                <a:avLst/>
+              </a:prstGeom>
+              <a:noFill/>
+            </p:spPr>
+            <p:txBody>
+              <a:bodyPr wrap="none" rtlCol="0">
+                <a:spAutoFit/>
+              </a:bodyPr>
+              <a:lstStyle/>
+              <a:p>
+                <a:pPr/>
+                <a14:m>
+                  <m:oMathPara xmlns:m="http://schemas.openxmlformats.org/officeDocument/2006/math">
+                    <m:oMathParaPr>
+                      <m:jc m:val="centerGroup"/>
+                    </m:oMathParaPr>
+                    <m:oMath xmlns:m="http://schemas.openxmlformats.org/officeDocument/2006/math">
+                      <m:sSub>
+                        <m:sSubPr>
+                          <m:ctrlPr>
+                            <a:rPr lang="en-US" altLang="ko-KR" b="0" i="1" smtClean="0">
+                              <a:latin typeface="Cambria Math" panose="02040503050406030204" pitchFamily="18" charset="0"/>
+                            </a:rPr>
+                          </m:ctrlPr>
+                        </m:sSubPr>
+                        <m:e>
+                          <m:r>
+                            <a:rPr lang="en-US" altLang="ko-KR" b="0" i="1" smtClean="0">
+                              <a:latin typeface="Cambria Math" panose="02040503050406030204" pitchFamily="18" charset="0"/>
+                            </a:rPr>
+                            <m:t>𝑥</m:t>
+                          </m:r>
+                          <m:r>
+                            <a:rPr lang="en-US" altLang="ko-KR" b="0" i="1" smtClean="0">
+                              <a:latin typeface="Cambria Math" panose="02040503050406030204" pitchFamily="18" charset="0"/>
+                            </a:rPr>
+                            <m:t>(2</m:t>
+                          </m:r>
+                          <m:r>
+                            <a:rPr lang="en-US" altLang="ko-KR" b="0" i="1" smtClean="0">
+                              <a:latin typeface="Cambria Math" panose="02040503050406030204" pitchFamily="18" charset="0"/>
+                            </a:rPr>
+                            <m:t>𝑇</m:t>
+                          </m:r>
+                        </m:e>
+                        <m:sub>
+                          <m:r>
+                            <a:rPr lang="en-US" altLang="ko-KR" b="0" i="1" smtClean="0">
+                              <a:latin typeface="Cambria Math" panose="02040503050406030204" pitchFamily="18" charset="0"/>
+                            </a:rPr>
+                            <m:t>𝑠</m:t>
+                          </m:r>
+                        </m:sub>
+                      </m:sSub>
+                      <m:r>
+                        <a:rPr lang="en-US" altLang="ko-KR" b="0" i="1" smtClean="0">
+                          <a:latin typeface="Cambria Math" panose="02040503050406030204" pitchFamily="18" charset="0"/>
+                        </a:rPr>
+                        <m:t>)</m:t>
+                      </m:r>
+                    </m:oMath>
+                  </m:oMathPara>
+                </a14:m>
+                <a:endParaRPr lang="ko-KR" altLang="en-US" dirty="0"/>
+              </a:p>
+            </p:txBody>
+          </p:sp>
+        </mc:Choice>
+        <mc:Fallback xmlns="">
+          <p:sp>
+            <p:nvSpPr>
+              <p:cNvPr id="21" name="TextBox 20">
+                <a:extLst>
+                  <a:ext uri="{FF2B5EF4-FFF2-40B4-BE49-F238E27FC236}">
+                    <a16:creationId xmlns:a16="http://schemas.microsoft.com/office/drawing/2014/main" id="{6227FF8A-6EC5-43FF-9524-AB3CCF817B1F}"/>
+                  </a:ext>
+                </a:extLst>
+              </p:cNvPr>
+              <p:cNvSpPr txBox="1">
+                <a:spLocks noRot="1" noChangeAspect="1" noMove="1" noResize="1" noEditPoints="1" noAdjustHandles="1" noChangeArrowheads="1" noChangeShapeType="1" noTextEdit="1"/>
+              </p:cNvSpPr>
+              <p:nvPr/>
+            </p:nvSpPr>
+            <p:spPr>
+              <a:xfrm>
+                <a:off x="1567685" y="2092946"/>
+                <a:ext cx="918521" cy="369332"/>
+              </a:xfrm>
+              <a:prstGeom prst="rect">
+                <a:avLst/>
+              </a:prstGeom>
+              <a:blipFill>
+                <a:blip r:embed="rId9"/>
+                <a:stretch>
+                  <a:fillRect b="-16393"/>
+                </a:stretch>
+              </a:blipFill>
+            </p:spPr>
+            <p:txBody>
+              <a:bodyPr/>
+              <a:lstStyle/>
+              <a:p>
+                <a:r>
+                  <a:rPr lang="ko-KR" altLang="en-US">
+                    <a:noFill/>
+                  </a:rPr>
+                  <a:t> </a:t>
+                </a:r>
+              </a:p>
+            </p:txBody>
+          </p:sp>
+        </mc:Fallback>
+      </mc:AlternateContent>
+      <mc:AlternateContent xmlns:mc="http://schemas.openxmlformats.org/markup-compatibility/2006" xmlns:a14="http://schemas.microsoft.com/office/drawing/2010/main">
+        <mc:Choice Requires="a14">
+          <p:sp>
+            <p:nvSpPr>
+              <p:cNvPr id="23" name="TextBox 22">
+                <a:extLst>
+                  <a:ext uri="{FF2B5EF4-FFF2-40B4-BE49-F238E27FC236}">
+                    <a16:creationId xmlns:a16="http://schemas.microsoft.com/office/drawing/2014/main" id="{91DD6DB0-1E6E-4074-857D-2C497C894804}"/>
+                  </a:ext>
+                </a:extLst>
+              </p:cNvPr>
+              <p:cNvSpPr txBox="1"/>
+              <p:nvPr/>
+            </p:nvSpPr>
+            <p:spPr>
+              <a:xfrm>
+                <a:off x="2744158" y="2632948"/>
+                <a:ext cx="918521" cy="369332"/>
+              </a:xfrm>
+              <a:prstGeom prst="rect">
+                <a:avLst/>
+              </a:prstGeom>
+              <a:noFill/>
+            </p:spPr>
+            <p:txBody>
+              <a:bodyPr wrap="none" rtlCol="0">
+                <a:spAutoFit/>
+              </a:bodyPr>
+              <a:lstStyle/>
+              <a:p>
+                <a:pPr/>
+                <a14:m>
+                  <m:oMathPara xmlns:m="http://schemas.openxmlformats.org/officeDocument/2006/math">
+                    <m:oMathParaPr>
+                      <m:jc m:val="centerGroup"/>
+                    </m:oMathParaPr>
+                    <m:oMath xmlns:m="http://schemas.openxmlformats.org/officeDocument/2006/math">
+                      <m:sSub>
+                        <m:sSubPr>
+                          <m:ctrlPr>
+                            <a:rPr lang="en-US" altLang="ko-KR" b="0" i="1" smtClean="0">
+                              <a:latin typeface="Cambria Math" panose="02040503050406030204" pitchFamily="18" charset="0"/>
+                            </a:rPr>
+                          </m:ctrlPr>
+                        </m:sSubPr>
+                        <m:e>
+                          <m:r>
+                            <a:rPr lang="en-US" altLang="ko-KR" b="0" i="1" smtClean="0">
+                              <a:latin typeface="Cambria Math" panose="02040503050406030204" pitchFamily="18" charset="0"/>
+                            </a:rPr>
+                            <m:t>𝑥</m:t>
+                          </m:r>
+                          <m:r>
+                            <a:rPr lang="en-US" altLang="ko-KR" b="0" i="1" smtClean="0">
+                              <a:latin typeface="Cambria Math" panose="02040503050406030204" pitchFamily="18" charset="0"/>
+                            </a:rPr>
+                            <m:t>(4</m:t>
+                          </m:r>
+                          <m:r>
+                            <a:rPr lang="en-US" altLang="ko-KR" b="0" i="1" smtClean="0">
+                              <a:latin typeface="Cambria Math" panose="02040503050406030204" pitchFamily="18" charset="0"/>
+                            </a:rPr>
+                            <m:t>𝑇</m:t>
+                          </m:r>
+                        </m:e>
+                        <m:sub>
+                          <m:r>
+                            <a:rPr lang="en-US" altLang="ko-KR" b="0" i="1" smtClean="0">
+                              <a:latin typeface="Cambria Math" panose="02040503050406030204" pitchFamily="18" charset="0"/>
+                            </a:rPr>
+                            <m:t>𝑠</m:t>
+                          </m:r>
+                        </m:sub>
+                      </m:sSub>
+                      <m:r>
+                        <a:rPr lang="en-US" altLang="ko-KR" b="0" i="1" smtClean="0">
+                          <a:latin typeface="Cambria Math" panose="02040503050406030204" pitchFamily="18" charset="0"/>
+                        </a:rPr>
+                        <m:t>)</m:t>
+                      </m:r>
+                    </m:oMath>
+                  </m:oMathPara>
+                </a14:m>
+                <a:endParaRPr lang="ko-KR" altLang="en-US" dirty="0"/>
+              </a:p>
+            </p:txBody>
+          </p:sp>
+        </mc:Choice>
+        <mc:Fallback xmlns="">
+          <p:sp>
+            <p:nvSpPr>
+              <p:cNvPr id="23" name="TextBox 22">
+                <a:extLst>
+                  <a:ext uri="{FF2B5EF4-FFF2-40B4-BE49-F238E27FC236}">
+                    <a16:creationId xmlns:a16="http://schemas.microsoft.com/office/drawing/2014/main" id="{91DD6DB0-1E6E-4074-857D-2C497C894804}"/>
+                  </a:ext>
+                </a:extLst>
+              </p:cNvPr>
+              <p:cNvSpPr txBox="1">
+                <a:spLocks noRot="1" noChangeAspect="1" noMove="1" noResize="1" noEditPoints="1" noAdjustHandles="1" noChangeArrowheads="1" noChangeShapeType="1" noTextEdit="1"/>
+              </p:cNvSpPr>
+              <p:nvPr/>
+            </p:nvSpPr>
+            <p:spPr>
+              <a:xfrm>
+                <a:off x="2744158" y="2632948"/>
+                <a:ext cx="918521" cy="369332"/>
+              </a:xfrm>
+              <a:prstGeom prst="rect">
+                <a:avLst/>
+              </a:prstGeom>
+              <a:blipFill>
+                <a:blip r:embed="rId10"/>
+                <a:stretch>
+                  <a:fillRect b="-14754"/>
+                </a:stretch>
+              </a:blipFill>
+            </p:spPr>
+            <p:txBody>
+              <a:bodyPr/>
+              <a:lstStyle/>
+              <a:p>
+                <a:r>
+                  <a:rPr lang="ko-KR" altLang="en-US">
+                    <a:noFill/>
+                  </a:rPr>
+                  <a:t> </a:t>
+                </a:r>
+              </a:p>
+            </p:txBody>
+          </p:sp>
+        </mc:Fallback>
+      </mc:AlternateContent>
+      <mc:AlternateContent xmlns:mc="http://schemas.openxmlformats.org/markup-compatibility/2006" xmlns:a14="http://schemas.microsoft.com/office/drawing/2010/main">
+        <mc:Choice Requires="a14">
+          <p:sp>
+            <p:nvSpPr>
+              <p:cNvPr id="24" name="TextBox 23">
+                <a:extLst>
+                  <a:ext uri="{FF2B5EF4-FFF2-40B4-BE49-F238E27FC236}">
+                    <a16:creationId xmlns:a16="http://schemas.microsoft.com/office/drawing/2014/main" id="{84256EE3-F4CD-4489-9310-518869AF2A2F}"/>
+                  </a:ext>
+                </a:extLst>
+              </p:cNvPr>
+              <p:cNvSpPr txBox="1"/>
+              <p:nvPr/>
+            </p:nvSpPr>
+            <p:spPr>
+              <a:xfrm>
+                <a:off x="3490182" y="2968214"/>
+                <a:ext cx="918521" cy="369332"/>
+              </a:xfrm>
+              <a:prstGeom prst="rect">
+                <a:avLst/>
+              </a:prstGeom>
+              <a:noFill/>
+            </p:spPr>
+            <p:txBody>
+              <a:bodyPr wrap="none" rtlCol="0">
+                <a:spAutoFit/>
+              </a:bodyPr>
+              <a:lstStyle/>
+              <a:p>
+                <a:pPr/>
+                <a14:m>
+                  <m:oMathPara xmlns:m="http://schemas.openxmlformats.org/officeDocument/2006/math">
+                    <m:oMathParaPr>
+                      <m:jc m:val="centerGroup"/>
+                    </m:oMathParaPr>
+                    <m:oMath xmlns:m="http://schemas.openxmlformats.org/officeDocument/2006/math">
+                      <m:sSub>
+                        <m:sSubPr>
+                          <m:ctrlPr>
+                            <a:rPr lang="en-US" altLang="ko-KR" b="0" i="1" smtClean="0">
+                              <a:latin typeface="Cambria Math" panose="02040503050406030204" pitchFamily="18" charset="0"/>
+                            </a:rPr>
+                          </m:ctrlPr>
+                        </m:sSubPr>
+                        <m:e>
+                          <m:r>
+                            <a:rPr lang="en-US" altLang="ko-KR" b="0" i="1" smtClean="0">
+                              <a:latin typeface="Cambria Math" panose="02040503050406030204" pitchFamily="18" charset="0"/>
+                            </a:rPr>
+                            <m:t>𝑥</m:t>
+                          </m:r>
+                          <m:r>
+                            <a:rPr lang="en-US" altLang="ko-KR" b="0" i="1" smtClean="0">
+                              <a:latin typeface="Cambria Math" panose="02040503050406030204" pitchFamily="18" charset="0"/>
+                            </a:rPr>
+                            <m:t>(5</m:t>
+                          </m:r>
+                          <m:r>
+                            <a:rPr lang="en-US" altLang="ko-KR" b="0" i="1" smtClean="0">
+                              <a:latin typeface="Cambria Math" panose="02040503050406030204" pitchFamily="18" charset="0"/>
+                            </a:rPr>
+                            <m:t>𝑇</m:t>
+                          </m:r>
+                        </m:e>
+                        <m:sub>
+                          <m:r>
+                            <a:rPr lang="en-US" altLang="ko-KR" b="0" i="1" smtClean="0">
+                              <a:latin typeface="Cambria Math" panose="02040503050406030204" pitchFamily="18" charset="0"/>
+                            </a:rPr>
+                            <m:t>𝑠</m:t>
+                          </m:r>
+                        </m:sub>
+                      </m:sSub>
+                      <m:r>
+                        <a:rPr lang="en-US" altLang="ko-KR" b="0" i="1" smtClean="0">
+                          <a:latin typeface="Cambria Math" panose="02040503050406030204" pitchFamily="18" charset="0"/>
+                        </a:rPr>
+                        <m:t>)</m:t>
+                      </m:r>
+                    </m:oMath>
+                  </m:oMathPara>
+                </a14:m>
+                <a:endParaRPr lang="ko-KR" altLang="en-US" dirty="0"/>
+              </a:p>
+            </p:txBody>
+          </p:sp>
+        </mc:Choice>
+        <mc:Fallback xmlns="">
+          <p:sp>
+            <p:nvSpPr>
+              <p:cNvPr id="24" name="TextBox 23">
+                <a:extLst>
+                  <a:ext uri="{FF2B5EF4-FFF2-40B4-BE49-F238E27FC236}">
+                    <a16:creationId xmlns:a16="http://schemas.microsoft.com/office/drawing/2014/main" id="{84256EE3-F4CD-4489-9310-518869AF2A2F}"/>
+                  </a:ext>
+                </a:extLst>
+              </p:cNvPr>
+              <p:cNvSpPr txBox="1">
+                <a:spLocks noRot="1" noChangeAspect="1" noMove="1" noResize="1" noEditPoints="1" noAdjustHandles="1" noChangeArrowheads="1" noChangeShapeType="1" noTextEdit="1"/>
+              </p:cNvSpPr>
+              <p:nvPr/>
+            </p:nvSpPr>
+            <p:spPr>
+              <a:xfrm>
+                <a:off x="3490182" y="2968214"/>
+                <a:ext cx="918521" cy="369332"/>
+              </a:xfrm>
+              <a:prstGeom prst="rect">
+                <a:avLst/>
+              </a:prstGeom>
+              <a:blipFill>
+                <a:blip r:embed="rId11"/>
+                <a:stretch>
+                  <a:fillRect b="-16667"/>
+                </a:stretch>
+              </a:blipFill>
+            </p:spPr>
+            <p:txBody>
+              <a:bodyPr/>
+              <a:lstStyle/>
+              <a:p>
+                <a:r>
+                  <a:rPr lang="ko-KR" altLang="en-US">
+                    <a:noFill/>
+                  </a:rPr>
+                  <a:t> </a:t>
+                </a:r>
+              </a:p>
+            </p:txBody>
+          </p:sp>
+        </mc:Fallback>
+      </mc:AlternateContent>
+      <mc:AlternateContent xmlns:mc="http://schemas.openxmlformats.org/markup-compatibility/2006" xmlns:a14="http://schemas.microsoft.com/office/drawing/2010/main">
+        <mc:Choice Requires="a14">
+          <p:sp>
+            <p:nvSpPr>
+              <p:cNvPr id="25" name="TextBox 24">
+                <a:extLst>
+                  <a:ext uri="{FF2B5EF4-FFF2-40B4-BE49-F238E27FC236}">
+                    <a16:creationId xmlns:a16="http://schemas.microsoft.com/office/drawing/2014/main" id="{E6674653-B363-4D04-B77F-43AADC920BE2}"/>
+                  </a:ext>
+                </a:extLst>
+              </p:cNvPr>
+              <p:cNvSpPr txBox="1"/>
+              <p:nvPr/>
+            </p:nvSpPr>
+            <p:spPr>
+              <a:xfrm>
+                <a:off x="0" y="2468852"/>
+                <a:ext cx="717440" cy="369332"/>
+              </a:xfrm>
+              <a:prstGeom prst="rect">
+                <a:avLst/>
+              </a:prstGeom>
+              <a:noFill/>
+            </p:spPr>
+            <p:txBody>
+              <a:bodyPr wrap="none" rtlCol="0">
+                <a:spAutoFit/>
+              </a:bodyPr>
+              <a:lstStyle/>
+              <a:p>
+                <a:pPr/>
+                <a14:m>
+                  <m:oMathPara xmlns:m="http://schemas.openxmlformats.org/officeDocument/2006/math">
+                    <m:oMathParaPr>
+                      <m:jc m:val="centerGroup"/>
+                    </m:oMathParaPr>
+                    <m:oMath xmlns:m="http://schemas.openxmlformats.org/officeDocument/2006/math">
+                      <m:r>
+                        <a:rPr lang="en-US" altLang="ko-KR" b="0" i="1" smtClean="0">
+                          <a:latin typeface="Cambria Math" panose="02040503050406030204" pitchFamily="18" charset="0"/>
+                        </a:rPr>
+                        <m:t>𝑥</m:t>
+                      </m:r>
+                      <m:r>
+                        <a:rPr lang="en-US" altLang="ko-KR" b="0" i="1" smtClean="0">
+                          <a:latin typeface="Cambria Math" panose="02040503050406030204" pitchFamily="18" charset="0"/>
+                        </a:rPr>
+                        <m:t>(0)</m:t>
+                      </m:r>
+                    </m:oMath>
+                  </m:oMathPara>
+                </a14:m>
+                <a:endParaRPr lang="ko-KR" altLang="en-US" dirty="0"/>
+              </a:p>
+            </p:txBody>
+          </p:sp>
+        </mc:Choice>
+        <mc:Fallback xmlns="">
+          <p:sp>
+            <p:nvSpPr>
+              <p:cNvPr id="25" name="TextBox 24">
+                <a:extLst>
+                  <a:ext uri="{FF2B5EF4-FFF2-40B4-BE49-F238E27FC236}">
+                    <a16:creationId xmlns:a16="http://schemas.microsoft.com/office/drawing/2014/main" id="{E6674653-B363-4D04-B77F-43AADC920BE2}"/>
+                  </a:ext>
+                </a:extLst>
+              </p:cNvPr>
+              <p:cNvSpPr txBox="1">
+                <a:spLocks noRot="1" noChangeAspect="1" noMove="1" noResize="1" noEditPoints="1" noAdjustHandles="1" noChangeArrowheads="1" noChangeShapeType="1" noTextEdit="1"/>
+              </p:cNvSpPr>
+              <p:nvPr/>
+            </p:nvSpPr>
+            <p:spPr>
+              <a:xfrm>
+                <a:off x="0" y="2468852"/>
+                <a:ext cx="717440" cy="369332"/>
+              </a:xfrm>
+              <a:prstGeom prst="rect">
+                <a:avLst/>
+              </a:prstGeom>
+              <a:blipFill>
+                <a:blip r:embed="rId12"/>
+                <a:stretch>
+                  <a:fillRect b="-14754"/>
+                </a:stretch>
+              </a:blipFill>
+            </p:spPr>
+            <p:txBody>
+              <a:bodyPr/>
+              <a:lstStyle/>
+              <a:p>
+                <a:r>
+                  <a:rPr lang="ko-KR" altLang="en-US">
+                    <a:noFill/>
+                  </a:rPr>
+                  <a:t> </a:t>
+                </a:r>
+              </a:p>
+            </p:txBody>
+          </p:sp>
+        </mc:Fallback>
+      </mc:AlternateContent>
+      <mc:AlternateContent xmlns:mc="http://schemas.openxmlformats.org/markup-compatibility/2006" xmlns:a14="http://schemas.microsoft.com/office/drawing/2010/main">
+        <mc:Choice Requires="a14">
+          <p:sp>
+            <p:nvSpPr>
+              <p:cNvPr id="28" name="TextBox 27">
+                <a:extLst>
+                  <a:ext uri="{FF2B5EF4-FFF2-40B4-BE49-F238E27FC236}">
+                    <a16:creationId xmlns:a16="http://schemas.microsoft.com/office/drawing/2014/main" id="{E000463F-D425-4723-9EB7-4BEFD222A0A2}"/>
+                  </a:ext>
+                </a:extLst>
+              </p:cNvPr>
+              <p:cNvSpPr txBox="1"/>
+              <p:nvPr/>
+            </p:nvSpPr>
+            <p:spPr>
+              <a:xfrm>
+                <a:off x="2074626" y="2612628"/>
+                <a:ext cx="918521" cy="369332"/>
+              </a:xfrm>
+              <a:prstGeom prst="rect">
+                <a:avLst/>
+              </a:prstGeom>
+              <a:noFill/>
+            </p:spPr>
+            <p:txBody>
+              <a:bodyPr wrap="none" rtlCol="0">
+                <a:spAutoFit/>
+              </a:bodyPr>
+              <a:lstStyle/>
+              <a:p>
+                <a:pPr/>
+                <a14:m>
+                  <m:oMathPara xmlns:m="http://schemas.openxmlformats.org/officeDocument/2006/math">
+                    <m:oMathParaPr>
+                      <m:jc m:val="centerGroup"/>
+                    </m:oMathParaPr>
+                    <m:oMath xmlns:m="http://schemas.openxmlformats.org/officeDocument/2006/math">
+                      <m:sSub>
+                        <m:sSubPr>
+                          <m:ctrlPr>
+                            <a:rPr lang="en-US" altLang="ko-KR" b="0" i="1" smtClean="0">
+                              <a:latin typeface="Cambria Math" panose="02040503050406030204" pitchFamily="18" charset="0"/>
+                            </a:rPr>
+                          </m:ctrlPr>
+                        </m:sSubPr>
+                        <m:e>
+                          <m:r>
+                            <a:rPr lang="en-US" altLang="ko-KR" b="0" i="1" smtClean="0">
+                              <a:latin typeface="Cambria Math" panose="02040503050406030204" pitchFamily="18" charset="0"/>
+                            </a:rPr>
+                            <m:t>𝑥</m:t>
+                          </m:r>
+                          <m:r>
+                            <a:rPr lang="en-US" altLang="ko-KR" b="0" i="1" smtClean="0">
+                              <a:latin typeface="Cambria Math" panose="02040503050406030204" pitchFamily="18" charset="0"/>
+                            </a:rPr>
+                            <m:t>(3</m:t>
+                          </m:r>
+                          <m:r>
+                            <a:rPr lang="en-US" altLang="ko-KR" b="0" i="1" smtClean="0">
+                              <a:latin typeface="Cambria Math" panose="02040503050406030204" pitchFamily="18" charset="0"/>
+                            </a:rPr>
+                            <m:t>𝑇</m:t>
+                          </m:r>
+                        </m:e>
+                        <m:sub>
+                          <m:r>
+                            <a:rPr lang="en-US" altLang="ko-KR" b="0" i="1" smtClean="0">
+                              <a:latin typeface="Cambria Math" panose="02040503050406030204" pitchFamily="18" charset="0"/>
+                            </a:rPr>
+                            <m:t>𝑠</m:t>
+                          </m:r>
+                        </m:sub>
+                      </m:sSub>
+                      <m:r>
+                        <a:rPr lang="en-US" altLang="ko-KR" b="0" i="1" smtClean="0">
+                          <a:latin typeface="Cambria Math" panose="02040503050406030204" pitchFamily="18" charset="0"/>
+                        </a:rPr>
+                        <m:t>)</m:t>
+                      </m:r>
+                    </m:oMath>
+                  </m:oMathPara>
+                </a14:m>
+                <a:endParaRPr lang="ko-KR" altLang="en-US" dirty="0"/>
+              </a:p>
+            </p:txBody>
+          </p:sp>
+        </mc:Choice>
+        <mc:Fallback xmlns="">
+          <p:sp>
+            <p:nvSpPr>
+              <p:cNvPr id="28" name="TextBox 27">
+                <a:extLst>
+                  <a:ext uri="{FF2B5EF4-FFF2-40B4-BE49-F238E27FC236}">
+                    <a16:creationId xmlns:a16="http://schemas.microsoft.com/office/drawing/2014/main" id="{E000463F-D425-4723-9EB7-4BEFD222A0A2}"/>
+                  </a:ext>
+                </a:extLst>
+              </p:cNvPr>
+              <p:cNvSpPr txBox="1">
+                <a:spLocks noRot="1" noChangeAspect="1" noMove="1" noResize="1" noEditPoints="1" noAdjustHandles="1" noChangeArrowheads="1" noChangeShapeType="1" noTextEdit="1"/>
+              </p:cNvSpPr>
+              <p:nvPr/>
+            </p:nvSpPr>
+            <p:spPr>
+              <a:xfrm>
+                <a:off x="2074626" y="2612628"/>
+                <a:ext cx="918521" cy="369332"/>
+              </a:xfrm>
+              <a:prstGeom prst="rect">
+                <a:avLst/>
+              </a:prstGeom>
+              <a:blipFill>
+                <a:blip r:embed="rId13"/>
+                <a:stretch>
+                  <a:fillRect b="-16667"/>
+                </a:stretch>
+              </a:blipFill>
+            </p:spPr>
+            <p:txBody>
+              <a:bodyPr/>
+              <a:lstStyle/>
+              <a:p>
+                <a:r>
+                  <a:rPr lang="ko-KR" altLang="en-US">
+                    <a:noFill/>
+                  </a:rPr>
+                  <a:t> </a:t>
+                </a:r>
+              </a:p>
+            </p:txBody>
+          </p:sp>
+        </mc:Fallback>
+      </mc:AlternateContent>
+      <mc:AlternateContent xmlns:mc="http://schemas.openxmlformats.org/markup-compatibility/2006" xmlns:a14="http://schemas.microsoft.com/office/drawing/2010/main">
+        <mc:Choice Requires="a14">
+          <p:sp>
+            <p:nvSpPr>
+              <p:cNvPr id="29" name="TextBox 28">
+                <a:extLst>
+                  <a:ext uri="{FF2B5EF4-FFF2-40B4-BE49-F238E27FC236}">
+                    <a16:creationId xmlns:a16="http://schemas.microsoft.com/office/drawing/2014/main" id="{C397BE5B-F0A5-4E5D-9D93-0D3FABFE078B}"/>
+                  </a:ext>
+                </a:extLst>
+              </p:cNvPr>
+              <p:cNvSpPr txBox="1"/>
+              <p:nvPr/>
+            </p:nvSpPr>
+            <p:spPr>
+              <a:xfrm>
+                <a:off x="5051841" y="1422372"/>
+                <a:ext cx="717440" cy="369332"/>
+              </a:xfrm>
+              <a:prstGeom prst="rect">
+                <a:avLst/>
+              </a:prstGeom>
+              <a:noFill/>
+            </p:spPr>
+            <p:txBody>
+              <a:bodyPr wrap="none" rtlCol="0">
+                <a:spAutoFit/>
+              </a:bodyPr>
+              <a:lstStyle/>
+              <a:p>
+                <a:pPr/>
+                <a14:m>
+                  <m:oMathPara xmlns:m="http://schemas.openxmlformats.org/officeDocument/2006/math">
+                    <m:oMathParaPr>
+                      <m:jc m:val="centerGroup"/>
+                    </m:oMathParaPr>
+                    <m:oMath xmlns:m="http://schemas.openxmlformats.org/officeDocument/2006/math">
+                      <m:r>
+                        <a:rPr lang="en-US" altLang="ko-KR" b="0" i="1" smtClean="0">
+                          <a:latin typeface="Cambria Math" panose="02040503050406030204" pitchFamily="18" charset="0"/>
+                        </a:rPr>
+                        <m:t>𝑥</m:t>
+                      </m:r>
+                      <m:r>
+                        <a:rPr lang="en-US" altLang="ko-KR" b="0" i="1" smtClean="0">
+                          <a:latin typeface="Cambria Math" panose="02040503050406030204" pitchFamily="18" charset="0"/>
+                        </a:rPr>
+                        <m:t>(0)</m:t>
+                      </m:r>
+                    </m:oMath>
+                  </m:oMathPara>
+                </a14:m>
+                <a:endParaRPr lang="ko-KR" altLang="en-US" dirty="0"/>
+              </a:p>
+            </p:txBody>
+          </p:sp>
+        </mc:Choice>
+        <mc:Fallback xmlns="">
+          <p:sp>
+            <p:nvSpPr>
+              <p:cNvPr id="29" name="TextBox 28">
+                <a:extLst>
+                  <a:ext uri="{FF2B5EF4-FFF2-40B4-BE49-F238E27FC236}">
+                    <a16:creationId xmlns:a16="http://schemas.microsoft.com/office/drawing/2014/main" id="{C397BE5B-F0A5-4E5D-9D93-0D3FABFE078B}"/>
+                  </a:ext>
+                </a:extLst>
+              </p:cNvPr>
+              <p:cNvSpPr txBox="1">
+                <a:spLocks noRot="1" noChangeAspect="1" noMove="1" noResize="1" noEditPoints="1" noAdjustHandles="1" noChangeArrowheads="1" noChangeShapeType="1" noTextEdit="1"/>
+              </p:cNvSpPr>
+              <p:nvPr/>
+            </p:nvSpPr>
+            <p:spPr>
+              <a:xfrm>
+                <a:off x="5051841" y="1422372"/>
+                <a:ext cx="717440" cy="369332"/>
+              </a:xfrm>
+              <a:prstGeom prst="rect">
+                <a:avLst/>
+              </a:prstGeom>
+              <a:blipFill>
+                <a:blip r:embed="rId14"/>
+                <a:stretch>
+                  <a:fillRect b="-16393"/>
+                </a:stretch>
+              </a:blipFill>
+            </p:spPr>
+            <p:txBody>
+              <a:bodyPr/>
+              <a:lstStyle/>
+              <a:p>
+                <a:r>
+                  <a:rPr lang="ko-KR" altLang="en-US">
+                    <a:noFill/>
+                  </a:rPr>
+                  <a:t> </a:t>
+                </a:r>
+              </a:p>
+            </p:txBody>
+          </p:sp>
+        </mc:Fallback>
+      </mc:AlternateContent>
+      <mc:AlternateContent xmlns:mc="http://schemas.openxmlformats.org/markup-compatibility/2006" xmlns:a14="http://schemas.microsoft.com/office/drawing/2010/main">
+        <mc:Choice Requires="a14">
+          <p:sp>
+            <p:nvSpPr>
+              <p:cNvPr id="30" name="TextBox 29">
+                <a:extLst>
+                  <a:ext uri="{FF2B5EF4-FFF2-40B4-BE49-F238E27FC236}">
+                    <a16:creationId xmlns:a16="http://schemas.microsoft.com/office/drawing/2014/main" id="{61AF6313-865A-4F6F-BEC4-37CD6A54E0C9}"/>
+                  </a:ext>
+                </a:extLst>
+              </p:cNvPr>
+              <p:cNvSpPr txBox="1"/>
+              <p:nvPr/>
+            </p:nvSpPr>
+            <p:spPr>
+              <a:xfrm>
+                <a:off x="9205511" y="951454"/>
+                <a:ext cx="790281" cy="369332"/>
+              </a:xfrm>
+              <a:prstGeom prst="rect">
+                <a:avLst/>
+              </a:prstGeom>
+              <a:noFill/>
+            </p:spPr>
+            <p:txBody>
+              <a:bodyPr wrap="none" rtlCol="0">
+                <a:spAutoFit/>
+              </a:bodyPr>
+              <a:lstStyle/>
+              <a:p>
+                <a:pPr/>
+                <a14:m>
+                  <m:oMathPara xmlns:m="http://schemas.openxmlformats.org/officeDocument/2006/math">
+                    <m:oMathParaPr>
+                      <m:jc m:val="centerGroup"/>
+                    </m:oMathParaPr>
+                    <m:oMath xmlns:m="http://schemas.openxmlformats.org/officeDocument/2006/math">
+                      <m:r>
+                        <a:rPr lang="en-US" altLang="ko-KR" b="0" i="1" smtClean="0">
+                          <a:latin typeface="Cambria Math" panose="02040503050406030204" pitchFamily="18" charset="0"/>
+                        </a:rPr>
+                        <m:t>𝑥</m:t>
+                      </m:r>
+                      <m:r>
+                        <a:rPr lang="en-US" altLang="ko-KR" b="0" i="1" smtClean="0">
+                          <a:latin typeface="Cambria Math" panose="02040503050406030204" pitchFamily="18" charset="0"/>
+                        </a:rPr>
+                        <m:t>(</m:t>
+                      </m:r>
+                      <m:sSub>
+                        <m:sSubPr>
+                          <m:ctrlPr>
+                            <a:rPr lang="en-US" altLang="ko-KR" b="0" i="1" smtClean="0">
+                              <a:latin typeface="Cambria Math" panose="02040503050406030204" pitchFamily="18" charset="0"/>
+                            </a:rPr>
+                          </m:ctrlPr>
+                        </m:sSubPr>
+                        <m:e>
+                          <m:r>
+                            <a:rPr lang="en-US" altLang="ko-KR" b="0" i="1" smtClean="0">
+                              <a:latin typeface="Cambria Math" panose="02040503050406030204" pitchFamily="18" charset="0"/>
+                            </a:rPr>
+                            <m:t>𝑇</m:t>
+                          </m:r>
+                        </m:e>
+                        <m:sub>
+                          <m:r>
+                            <a:rPr lang="en-US" altLang="ko-KR" b="0" i="1" smtClean="0">
+                              <a:latin typeface="Cambria Math" panose="02040503050406030204" pitchFamily="18" charset="0"/>
+                            </a:rPr>
+                            <m:t>𝑠</m:t>
+                          </m:r>
+                        </m:sub>
+                      </m:sSub>
+                      <m:r>
+                        <a:rPr lang="en-US" altLang="ko-KR" b="0" i="1" smtClean="0">
+                          <a:latin typeface="Cambria Math" panose="02040503050406030204" pitchFamily="18" charset="0"/>
+                        </a:rPr>
+                        <m:t>)</m:t>
+                      </m:r>
+                    </m:oMath>
+                  </m:oMathPara>
+                </a14:m>
+                <a:endParaRPr lang="ko-KR" altLang="en-US" dirty="0"/>
+              </a:p>
+            </p:txBody>
+          </p:sp>
+        </mc:Choice>
+        <mc:Fallback xmlns="">
+          <p:sp>
+            <p:nvSpPr>
+              <p:cNvPr id="30" name="TextBox 29">
+                <a:extLst>
+                  <a:ext uri="{FF2B5EF4-FFF2-40B4-BE49-F238E27FC236}">
+                    <a16:creationId xmlns:a16="http://schemas.microsoft.com/office/drawing/2014/main" id="{61AF6313-865A-4F6F-BEC4-37CD6A54E0C9}"/>
+                  </a:ext>
+                </a:extLst>
+              </p:cNvPr>
+              <p:cNvSpPr txBox="1">
+                <a:spLocks noRot="1" noChangeAspect="1" noMove="1" noResize="1" noEditPoints="1" noAdjustHandles="1" noChangeArrowheads="1" noChangeShapeType="1" noTextEdit="1"/>
+              </p:cNvSpPr>
+              <p:nvPr/>
+            </p:nvSpPr>
+            <p:spPr>
+              <a:xfrm>
+                <a:off x="9205511" y="951454"/>
+                <a:ext cx="790281" cy="369332"/>
+              </a:xfrm>
+              <a:prstGeom prst="rect">
+                <a:avLst/>
+              </a:prstGeom>
+              <a:blipFill>
+                <a:blip r:embed="rId15"/>
+                <a:stretch>
+                  <a:fillRect b="-16393"/>
+                </a:stretch>
+              </a:blipFill>
+            </p:spPr>
+            <p:txBody>
+              <a:bodyPr/>
+              <a:lstStyle/>
+              <a:p>
+                <a:r>
+                  <a:rPr lang="ko-KR" altLang="en-US">
+                    <a:noFill/>
+                  </a:rPr>
+                  <a:t> </a:t>
+                </a:r>
+              </a:p>
+            </p:txBody>
+          </p:sp>
+        </mc:Fallback>
+      </mc:AlternateContent>
+      <mc:AlternateContent xmlns:mc="http://schemas.openxmlformats.org/markup-compatibility/2006" xmlns:a14="http://schemas.microsoft.com/office/drawing/2010/main">
+        <mc:Choice Requires="a14">
+          <p:sp>
+            <p:nvSpPr>
+              <p:cNvPr id="32" name="TextBox 31">
+                <a:extLst>
+                  <a:ext uri="{FF2B5EF4-FFF2-40B4-BE49-F238E27FC236}">
+                    <a16:creationId xmlns:a16="http://schemas.microsoft.com/office/drawing/2014/main" id="{AF9D0F8F-D2D6-49F1-8867-875E1DF311F6}"/>
+                  </a:ext>
+                </a:extLst>
+              </p:cNvPr>
+              <p:cNvSpPr txBox="1"/>
+              <p:nvPr/>
+            </p:nvSpPr>
+            <p:spPr>
+              <a:xfrm>
+                <a:off x="6284100" y="3779506"/>
+                <a:ext cx="918521" cy="369332"/>
+              </a:xfrm>
+              <a:prstGeom prst="rect">
+                <a:avLst/>
+              </a:prstGeom>
+              <a:noFill/>
+            </p:spPr>
+            <p:txBody>
+              <a:bodyPr wrap="none" rtlCol="0">
+                <a:spAutoFit/>
+              </a:bodyPr>
+              <a:lstStyle/>
+              <a:p>
+                <a:pPr/>
+                <a14:m>
+                  <m:oMathPara xmlns:m="http://schemas.openxmlformats.org/officeDocument/2006/math">
+                    <m:oMathParaPr>
+                      <m:jc m:val="centerGroup"/>
+                    </m:oMathParaPr>
+                    <m:oMath xmlns:m="http://schemas.openxmlformats.org/officeDocument/2006/math">
+                      <m:sSub>
+                        <m:sSubPr>
+                          <m:ctrlPr>
+                            <a:rPr lang="en-US" altLang="ko-KR" b="0" i="1" smtClean="0">
+                              <a:latin typeface="Cambria Math" panose="02040503050406030204" pitchFamily="18" charset="0"/>
+                            </a:rPr>
+                          </m:ctrlPr>
+                        </m:sSubPr>
+                        <m:e>
+                          <m:r>
+                            <a:rPr lang="en-US" altLang="ko-KR" b="0" i="1" smtClean="0">
+                              <a:latin typeface="Cambria Math" panose="02040503050406030204" pitchFamily="18" charset="0"/>
+                            </a:rPr>
+                            <m:t>𝑥</m:t>
+                          </m:r>
+                          <m:r>
+                            <a:rPr lang="en-US" altLang="ko-KR" b="0" i="1" smtClean="0">
+                              <a:latin typeface="Cambria Math" panose="02040503050406030204" pitchFamily="18" charset="0"/>
+                            </a:rPr>
+                            <m:t>(2</m:t>
+                          </m:r>
+                          <m:r>
+                            <a:rPr lang="en-US" altLang="ko-KR" b="0" i="1" smtClean="0">
+                              <a:latin typeface="Cambria Math" panose="02040503050406030204" pitchFamily="18" charset="0"/>
+                            </a:rPr>
+                            <m:t>𝑇</m:t>
+                          </m:r>
+                        </m:e>
+                        <m:sub>
+                          <m:r>
+                            <a:rPr lang="en-US" altLang="ko-KR" b="0" i="1" smtClean="0">
+                              <a:latin typeface="Cambria Math" panose="02040503050406030204" pitchFamily="18" charset="0"/>
+                            </a:rPr>
+                            <m:t>𝑠</m:t>
+                          </m:r>
+                        </m:sub>
+                      </m:sSub>
+                      <m:r>
+                        <a:rPr lang="en-US" altLang="ko-KR" b="0" i="1" smtClean="0">
+                          <a:latin typeface="Cambria Math" panose="02040503050406030204" pitchFamily="18" charset="0"/>
+                        </a:rPr>
+                        <m:t>)</m:t>
+                      </m:r>
+                    </m:oMath>
+                  </m:oMathPara>
+                </a14:m>
+                <a:endParaRPr lang="ko-KR" altLang="en-US" dirty="0"/>
+              </a:p>
+            </p:txBody>
+          </p:sp>
+        </mc:Choice>
+        <mc:Fallback xmlns="">
+          <p:sp>
+            <p:nvSpPr>
+              <p:cNvPr id="32" name="TextBox 31">
+                <a:extLst>
+                  <a:ext uri="{FF2B5EF4-FFF2-40B4-BE49-F238E27FC236}">
+                    <a16:creationId xmlns:a16="http://schemas.microsoft.com/office/drawing/2014/main" id="{AF9D0F8F-D2D6-49F1-8867-875E1DF311F6}"/>
+                  </a:ext>
+                </a:extLst>
+              </p:cNvPr>
+              <p:cNvSpPr txBox="1">
+                <a:spLocks noRot="1" noChangeAspect="1" noMove="1" noResize="1" noEditPoints="1" noAdjustHandles="1" noChangeArrowheads="1" noChangeShapeType="1" noTextEdit="1"/>
+              </p:cNvSpPr>
+              <p:nvPr/>
+            </p:nvSpPr>
+            <p:spPr>
+              <a:xfrm>
+                <a:off x="6284100" y="3779506"/>
+                <a:ext cx="918521" cy="369332"/>
+              </a:xfrm>
+              <a:prstGeom prst="rect">
+                <a:avLst/>
+              </a:prstGeom>
+              <a:blipFill>
+                <a:blip r:embed="rId16"/>
+                <a:stretch>
+                  <a:fillRect b="-14754"/>
+                </a:stretch>
+              </a:blipFill>
+            </p:spPr>
+            <p:txBody>
+              <a:bodyPr/>
+              <a:lstStyle/>
+              <a:p>
+                <a:r>
+                  <a:rPr lang="ko-KR" altLang="en-US">
+                    <a:noFill/>
+                  </a:rPr>
+                  <a:t> </a:t>
+                </a:r>
+              </a:p>
+            </p:txBody>
+          </p:sp>
+        </mc:Fallback>
+      </mc:AlternateContent>
+      <mc:AlternateContent xmlns:mc="http://schemas.openxmlformats.org/markup-compatibility/2006" xmlns:a14="http://schemas.microsoft.com/office/drawing/2010/main">
+        <mc:Choice Requires="a14">
+          <p:sp>
+            <p:nvSpPr>
+              <p:cNvPr id="33" name="TextBox 32">
+                <a:extLst>
+                  <a:ext uri="{FF2B5EF4-FFF2-40B4-BE49-F238E27FC236}">
+                    <a16:creationId xmlns:a16="http://schemas.microsoft.com/office/drawing/2014/main" id="{60E19A08-5E5E-46C4-8FC1-27D58B73640B}"/>
+                  </a:ext>
+                </a:extLst>
+              </p:cNvPr>
+              <p:cNvSpPr txBox="1"/>
+              <p:nvPr/>
+            </p:nvSpPr>
+            <p:spPr>
+              <a:xfrm>
+                <a:off x="11312238" y="4373623"/>
+                <a:ext cx="918521" cy="369332"/>
+              </a:xfrm>
+              <a:prstGeom prst="rect">
+                <a:avLst/>
+              </a:prstGeom>
+              <a:noFill/>
+            </p:spPr>
+            <p:txBody>
+              <a:bodyPr wrap="none" rtlCol="0">
+                <a:spAutoFit/>
+              </a:bodyPr>
+              <a:lstStyle/>
+              <a:p>
+                <a:pPr/>
+                <a14:m>
+                  <m:oMathPara xmlns:m="http://schemas.openxmlformats.org/officeDocument/2006/math">
+                    <m:oMathParaPr>
+                      <m:jc m:val="centerGroup"/>
+                    </m:oMathParaPr>
+                    <m:oMath xmlns:m="http://schemas.openxmlformats.org/officeDocument/2006/math">
+                      <m:sSub>
+                        <m:sSubPr>
+                          <m:ctrlPr>
+                            <a:rPr lang="en-US" altLang="ko-KR" b="0" i="1" smtClean="0">
+                              <a:latin typeface="Cambria Math" panose="02040503050406030204" pitchFamily="18" charset="0"/>
+                            </a:rPr>
+                          </m:ctrlPr>
+                        </m:sSubPr>
+                        <m:e>
+                          <m:r>
+                            <a:rPr lang="en-US" altLang="ko-KR" b="0" i="1" smtClean="0">
+                              <a:latin typeface="Cambria Math" panose="02040503050406030204" pitchFamily="18" charset="0"/>
+                            </a:rPr>
+                            <m:t>𝑥</m:t>
+                          </m:r>
+                          <m:r>
+                            <a:rPr lang="en-US" altLang="ko-KR" b="0" i="1" smtClean="0">
+                              <a:latin typeface="Cambria Math" panose="02040503050406030204" pitchFamily="18" charset="0"/>
+                            </a:rPr>
+                            <m:t>(5</m:t>
+                          </m:r>
+                          <m:r>
+                            <a:rPr lang="en-US" altLang="ko-KR" b="0" i="1" smtClean="0">
+                              <a:latin typeface="Cambria Math" panose="02040503050406030204" pitchFamily="18" charset="0"/>
+                            </a:rPr>
+                            <m:t>𝑇</m:t>
+                          </m:r>
+                        </m:e>
+                        <m:sub>
+                          <m:r>
+                            <a:rPr lang="en-US" altLang="ko-KR" b="0" i="1" smtClean="0">
+                              <a:latin typeface="Cambria Math" panose="02040503050406030204" pitchFamily="18" charset="0"/>
+                            </a:rPr>
+                            <m:t>𝑠</m:t>
+                          </m:r>
+                        </m:sub>
+                      </m:sSub>
+                      <m:r>
+                        <a:rPr lang="en-US" altLang="ko-KR" b="0" i="1" smtClean="0">
+                          <a:latin typeface="Cambria Math" panose="02040503050406030204" pitchFamily="18" charset="0"/>
+                        </a:rPr>
+                        <m:t>)</m:t>
+                      </m:r>
+                    </m:oMath>
+                  </m:oMathPara>
+                </a14:m>
+                <a:endParaRPr lang="ko-KR" altLang="en-US" dirty="0"/>
+              </a:p>
+            </p:txBody>
+          </p:sp>
+        </mc:Choice>
+        <mc:Fallback xmlns="">
+          <p:sp>
+            <p:nvSpPr>
+              <p:cNvPr id="33" name="TextBox 32">
+                <a:extLst>
+                  <a:ext uri="{FF2B5EF4-FFF2-40B4-BE49-F238E27FC236}">
+                    <a16:creationId xmlns:a16="http://schemas.microsoft.com/office/drawing/2014/main" id="{60E19A08-5E5E-46C4-8FC1-27D58B73640B}"/>
+                  </a:ext>
+                </a:extLst>
+              </p:cNvPr>
+              <p:cNvSpPr txBox="1">
+                <a:spLocks noRot="1" noChangeAspect="1" noMove="1" noResize="1" noEditPoints="1" noAdjustHandles="1" noChangeArrowheads="1" noChangeShapeType="1" noTextEdit="1"/>
+              </p:cNvSpPr>
+              <p:nvPr/>
+            </p:nvSpPr>
+            <p:spPr>
+              <a:xfrm>
+                <a:off x="11312238" y="4373623"/>
+                <a:ext cx="918521" cy="369332"/>
+              </a:xfrm>
+              <a:prstGeom prst="rect">
+                <a:avLst/>
+              </a:prstGeom>
+              <a:blipFill>
+                <a:blip r:embed="rId17"/>
+                <a:stretch>
+                  <a:fillRect b="-16393"/>
+                </a:stretch>
+              </a:blipFill>
+            </p:spPr>
+            <p:txBody>
+              <a:bodyPr/>
+              <a:lstStyle/>
+              <a:p>
+                <a:r>
+                  <a:rPr lang="ko-KR" altLang="en-US">
+                    <a:noFill/>
+                  </a:rPr>
+                  <a:t> </a:t>
+                </a:r>
+              </a:p>
+            </p:txBody>
+          </p:sp>
+        </mc:Fallback>
+      </mc:AlternateContent>
+    </p:spTree>
+    <p:extLst>
+      <p:ext uri="{BB962C8B-B14F-4D97-AF65-F5344CB8AC3E}">
+        <p14:creationId xmlns:p14="http://schemas.microsoft.com/office/powerpoint/2010/main" val="687881951"/>
+      </p:ext>
+    </p:extLst>
+  </p:cSld>
+  <p:clrMapOvr>
+    <a:masterClrMapping/>
+  </p:clrMapOvr>
+</p:sld>
+</file>
+
+<file path=ppt/slides/slide2.xml><?xml version="1.0" encoding="utf-8"?>
+<p:sld xmlns:a="http://schemas.openxmlformats.org/drawingml/2006/main" xmlns:r="http://schemas.openxmlformats.org/officeDocument/2006/relationships" xmlns:p="http://schemas.openxmlformats.org/presentationml/2006/main">
+  <p:cSld>
+    <p:spTree>
+      <p:nvGrpSpPr>
+        <p:cNvPr id="1" name=""/>
+        <p:cNvGrpSpPr/>
+        <p:nvPr/>
+      </p:nvGrpSpPr>
+      <p:grpSpPr>
+        <a:xfrm>
+          <a:off x="0" y="0"/>
+          <a:ext cx="0" cy="0"/>
+          <a:chOff x="0" y="0"/>
+          <a:chExt cx="0" cy="0"/>
+        </a:xfrm>
+      </p:grpSpPr>
+      <p:pic>
+        <p:nvPicPr>
+          <p:cNvPr id="5" name="그림 4" descr="텍스트, 지도이(가) 표시된 사진&#10;&#10;자동 생성된 설명">
+            <a:extLst>
+              <a:ext uri="{FF2B5EF4-FFF2-40B4-BE49-F238E27FC236}">
+                <a16:creationId xmlns:a16="http://schemas.microsoft.com/office/drawing/2014/main" id="{BBBB8875-EF62-4D90-8D19-A5757E7470D9}"/>
+              </a:ext>
+            </a:extLst>
+          </p:cNvPr>
+          <p:cNvPicPr>
+            <a:picLocks noChangeAspect="1"/>
+          </p:cNvPicPr>
+          <p:nvPr/>
+        </p:nvPicPr>
+        <p:blipFill>
+          <a:blip r:embed="rId2">
+            <a:extLst>
+              <a:ext uri="{28A0092B-C50C-407E-A947-70E740481C1C}">
+                <a14:useLocalDpi xmlns:a14="http://schemas.microsoft.com/office/drawing/2010/main" val="0"/>
+              </a:ext>
+            </a:extLst>
+          </a:blip>
+          <a:stretch>
+            <a:fillRect/>
+          </a:stretch>
+        </p:blipFill>
+        <p:spPr>
+          <a:xfrm>
+            <a:off x="3654979" y="1792070"/>
+            <a:ext cx="4178026" cy="3451412"/>
+          </a:xfrm>
+          <a:prstGeom prst="rect">
+            <a:avLst/>
+          </a:prstGeom>
+        </p:spPr>
+      </p:pic>
+      <mc:AlternateContent xmlns:mc="http://schemas.openxmlformats.org/markup-compatibility/2006">
+        <mc:Choice xmlns:a14="http://schemas.microsoft.com/office/drawing/2010/main" Requires="a14">
+          <p:sp>
+            <p:nvSpPr>
+              <p:cNvPr id="20" name="TextBox 19">
+                <a:extLst>
+                  <a:ext uri="{FF2B5EF4-FFF2-40B4-BE49-F238E27FC236}">
+                    <a16:creationId xmlns:a16="http://schemas.microsoft.com/office/drawing/2014/main" id="{3A1C9ACD-17D7-4CA6-B36F-CCE941DD0FF3}"/>
+                  </a:ext>
+                </a:extLst>
+              </p:cNvPr>
+              <p:cNvSpPr txBox="1"/>
+              <p:nvPr/>
+            </p:nvSpPr>
+            <p:spPr>
+              <a:xfrm>
+                <a:off x="4279750" y="1781910"/>
+                <a:ext cx="790281" cy="369332"/>
+              </a:xfrm>
+              <a:prstGeom prst="rect">
+                <a:avLst/>
+              </a:prstGeom>
+              <a:noFill/>
+            </p:spPr>
+            <p:txBody>
+              <a:bodyPr wrap="none" rtlCol="0">
+                <a:spAutoFit/>
+              </a:bodyPr>
+              <a:lstStyle/>
+              <a:p>
+                <a:pPr/>
                 <a14:m>
                   <m:oMathPara xmlns:m="http://schemas.openxmlformats.org/officeDocument/2006/math">
                     <m:oMathParaPr>
@@ -3934,16 +5276,16 @@
             </p:nvSpPr>
             <p:spPr>
               <a:xfrm>
-                <a:off x="861847" y="1693134"/>
+                <a:off x="4279750" y="1781910"/>
                 <a:ext cx="790281" cy="369332"/>
               </a:xfrm>
               <a:prstGeom prst="rect">
                 <a:avLst/>
               </a:prstGeom>
               <a:blipFill>
-                <a:blip r:embed="rId8"/>
+                <a:blip r:embed="rId3"/>
                 <a:stretch>
-                  <a:fillRect b="-16667"/>
+                  <a:fillRect b="-16393"/>
                 </a:stretch>
               </a:blipFill>
             </p:spPr>
@@ -3978,7 +5320,7 @@
             </p:nvSpPr>
             <p:spPr>
               <a:xfrm>
-                <a:off x="1567685" y="2092946"/>
+                <a:off x="4985588" y="2181722"/>
                 <a:ext cx="918521" cy="369332"/>
               </a:xfrm>
               <a:prstGeom prst="rect">
@@ -3992,6 +5334,7 @@
               </a:bodyPr>
               <a:lstStyle/>
               <a:p>
+                <a:pPr/>
                 <a14:m>
                   <m:oMathPara xmlns:m="http://schemas.openxmlformats.org/officeDocument/2006/math">
                     <m:oMathParaPr>
@@ -4066,16 +5409,16 @@
             </p:nvSpPr>
             <p:spPr>
               <a:xfrm>
-                <a:off x="1567685" y="2092946"/>
+                <a:off x="4985588" y="2181722"/>
                 <a:ext cx="918521" cy="369332"/>
               </a:xfrm>
               <a:prstGeom prst="rect">
                 <a:avLst/>
               </a:prstGeom>
               <a:blipFill>
-                <a:blip r:embed="rId9"/>
+                <a:blip r:embed="rId4"/>
                 <a:stretch>
-                  <a:fillRect b="-16393"/>
+                  <a:fillRect b="-16667"/>
                 </a:stretch>
               </a:blipFill>
             </p:spPr>
@@ -4110,7 +5453,7 @@
             </p:nvSpPr>
             <p:spPr>
               <a:xfrm>
-                <a:off x="2744158" y="2632948"/>
+                <a:off x="6162061" y="2721724"/>
                 <a:ext cx="918521" cy="369332"/>
               </a:xfrm>
               <a:prstGeom prst="rect">
@@ -4124,6 +5467,7 @@
               </a:bodyPr>
               <a:lstStyle/>
               <a:p>
+                <a:pPr/>
                 <a14:m>
                   <m:oMathPara xmlns:m="http://schemas.openxmlformats.org/officeDocument/2006/math">
                     <m:oMathParaPr>
@@ -4198,16 +5542,16 @@
             </p:nvSpPr>
             <p:spPr>
               <a:xfrm>
-                <a:off x="2744158" y="2632948"/>
+                <a:off x="6162061" y="2721724"/>
                 <a:ext cx="918521" cy="369332"/>
               </a:xfrm>
               <a:prstGeom prst="rect">
                 <a:avLst/>
               </a:prstGeom>
               <a:blipFill>
-                <a:blip r:embed="rId10"/>
+                <a:blip r:embed="rId5"/>
                 <a:stretch>
-                  <a:fillRect b="-14754"/>
+                  <a:fillRect b="-16393"/>
                 </a:stretch>
               </a:blipFill>
             </p:spPr>
@@ -4242,7 +5586,7 @@
             </p:nvSpPr>
             <p:spPr>
               <a:xfrm>
-                <a:off x="3490182" y="2968214"/>
+                <a:off x="6908085" y="3056990"/>
                 <a:ext cx="918521" cy="369332"/>
               </a:xfrm>
               <a:prstGeom prst="rect">
@@ -4256,6 +5600,7 @@
               </a:bodyPr>
               <a:lstStyle/>
               <a:p>
+                <a:pPr/>
                 <a14:m>
                   <m:oMathPara xmlns:m="http://schemas.openxmlformats.org/officeDocument/2006/math">
                     <m:oMathParaPr>
@@ -4330,16 +5675,16 @@
             </p:nvSpPr>
             <p:spPr>
               <a:xfrm>
-                <a:off x="3490182" y="2968214"/>
+                <a:off x="6908085" y="3056990"/>
                 <a:ext cx="918521" cy="369332"/>
               </a:xfrm>
               <a:prstGeom prst="rect">
                 <a:avLst/>
               </a:prstGeom>
               <a:blipFill>
-                <a:blip r:embed="rId11"/>
+                <a:blip r:embed="rId6"/>
                 <a:stretch>
-                  <a:fillRect b="-16667"/>
+                  <a:fillRect b="-16393"/>
                 </a:stretch>
               </a:blipFill>
             </p:spPr>
@@ -4374,7 +5719,7 @@
             </p:nvSpPr>
             <p:spPr>
               <a:xfrm>
-                <a:off x="0" y="2468852"/>
+                <a:off x="3417903" y="2557628"/>
                 <a:ext cx="717440" cy="369332"/>
               </a:xfrm>
               <a:prstGeom prst="rect">
@@ -4388,6 +5733,7 @@
               </a:bodyPr>
               <a:lstStyle/>
               <a:p>
+                <a:pPr/>
                 <a14:m>
                   <m:oMathPara xmlns:m="http://schemas.openxmlformats.org/officeDocument/2006/math">
                     <m:oMathParaPr>
@@ -4431,16 +5777,16 @@
             </p:nvSpPr>
             <p:spPr>
               <a:xfrm>
-                <a:off x="0" y="2468852"/>
+                <a:off x="3417903" y="2557628"/>
                 <a:ext cx="717440" cy="369332"/>
               </a:xfrm>
               <a:prstGeom prst="rect">
                 <a:avLst/>
               </a:prstGeom>
               <a:blipFill>
-                <a:blip r:embed="rId12"/>
+                <a:blip r:embed="rId7"/>
                 <a:stretch>
-                  <a:fillRect b="-14754"/>
+                  <a:fillRect b="-16667"/>
                 </a:stretch>
               </a:blipFill>
             </p:spPr>
@@ -4475,7 +5821,7 @@
             </p:nvSpPr>
             <p:spPr>
               <a:xfrm>
-                <a:off x="2074626" y="2612628"/>
+                <a:off x="5492529" y="2701404"/>
                 <a:ext cx="918521" cy="369332"/>
               </a:xfrm>
               <a:prstGeom prst="rect">
@@ -4489,6 +5835,7 @@
               </a:bodyPr>
               <a:lstStyle/>
               <a:p>
+                <a:pPr/>
                 <a14:m>
                   <m:oMathPara xmlns:m="http://schemas.openxmlformats.org/officeDocument/2006/math">
                     <m:oMathParaPr>
@@ -4563,511 +5910,14 @@
             </p:nvSpPr>
             <p:spPr>
               <a:xfrm>
-                <a:off x="2074626" y="2612628"/>
+                <a:off x="5492529" y="2701404"/>
                 <a:ext cx="918521" cy="369332"/>
               </a:xfrm>
               <a:prstGeom prst="rect">
                 <a:avLst/>
               </a:prstGeom>
               <a:blipFill>
-                <a:blip r:embed="rId13"/>
-                <a:stretch>
-                  <a:fillRect b="-16667"/>
-                </a:stretch>
-              </a:blipFill>
-            </p:spPr>
-            <p:txBody>
-              <a:bodyPr/>
-              <a:lstStyle/>
-              <a:p>
-                <a:r>
-                  <a:rPr lang="ko-KR" altLang="en-US">
-                    <a:noFill/>
-                  </a:rPr>
-                  <a:t> </a:t>
-                </a:r>
-              </a:p>
-            </p:txBody>
-          </p:sp>
-        </mc:Fallback>
-      </mc:AlternateContent>
-      <mc:AlternateContent xmlns:mc="http://schemas.openxmlformats.org/markup-compatibility/2006">
-        <mc:Choice xmlns:a14="http://schemas.microsoft.com/office/drawing/2010/main" Requires="a14">
-          <p:sp>
-            <p:nvSpPr>
-              <p:cNvPr id="29" name="TextBox 28">
-                <a:extLst>
-                  <a:ext uri="{FF2B5EF4-FFF2-40B4-BE49-F238E27FC236}">
-                    <a16:creationId xmlns:a16="http://schemas.microsoft.com/office/drawing/2014/main" id="{C397BE5B-F0A5-4E5D-9D93-0D3FABFE078B}"/>
-                  </a:ext>
-                </a:extLst>
-              </p:cNvPr>
-              <p:cNvSpPr txBox="1"/>
-              <p:nvPr/>
-            </p:nvSpPr>
-            <p:spPr>
-              <a:xfrm>
-                <a:off x="5051841" y="1422372"/>
-                <a:ext cx="717440" cy="369332"/>
-              </a:xfrm>
-              <a:prstGeom prst="rect">
-                <a:avLst/>
-              </a:prstGeom>
-              <a:noFill/>
-            </p:spPr>
-            <p:txBody>
-              <a:bodyPr wrap="none" rtlCol="0">
-                <a:spAutoFit/>
-              </a:bodyPr>
-              <a:lstStyle/>
-              <a:p>
-                <a14:m>
-                  <m:oMathPara xmlns:m="http://schemas.openxmlformats.org/officeDocument/2006/math">
-                    <m:oMathParaPr>
-                      <m:jc m:val="centerGroup"/>
-                    </m:oMathParaPr>
-                    <m:oMath xmlns:m="http://schemas.openxmlformats.org/officeDocument/2006/math">
-                      <m:r>
-                        <a:rPr lang="en-US" altLang="ko-KR" b="0" i="1" smtClean="0">
-                          <a:latin typeface="Cambria Math" panose="02040503050406030204" pitchFamily="18" charset="0"/>
-                        </a:rPr>
-                        <m:t>𝑥</m:t>
-                      </m:r>
-                      <m:r>
-                        <a:rPr lang="en-US" altLang="ko-KR" b="0" i="1" smtClean="0">
-                          <a:latin typeface="Cambria Math" panose="02040503050406030204" pitchFamily="18" charset="0"/>
-                        </a:rPr>
-                        <m:t>(0)</m:t>
-                      </m:r>
-                    </m:oMath>
-                  </m:oMathPara>
-                </a14:m>
-                <a:endParaRPr lang="ko-KR" altLang="en-US" dirty="0"/>
-              </a:p>
-            </p:txBody>
-          </p:sp>
-        </mc:Choice>
-        <mc:Fallback>
-          <p:sp>
-            <p:nvSpPr>
-              <p:cNvPr id="29" name="TextBox 28">
-                <a:extLst>
-                  <a:ext uri="{FF2B5EF4-FFF2-40B4-BE49-F238E27FC236}">
-                    <a16:creationId xmlns:a16="http://schemas.microsoft.com/office/drawing/2014/main" id="{C397BE5B-F0A5-4E5D-9D93-0D3FABFE078B}"/>
-                  </a:ext>
-                </a:extLst>
-              </p:cNvPr>
-              <p:cNvSpPr txBox="1">
-                <a:spLocks noRot="1" noChangeAspect="1" noMove="1" noResize="1" noEditPoints="1" noAdjustHandles="1" noChangeArrowheads="1" noChangeShapeType="1" noTextEdit="1"/>
-              </p:cNvSpPr>
-              <p:nvPr/>
-            </p:nvSpPr>
-            <p:spPr>
-              <a:xfrm>
-                <a:off x="5051841" y="1422372"/>
-                <a:ext cx="717440" cy="369332"/>
-              </a:xfrm>
-              <a:prstGeom prst="rect">
-                <a:avLst/>
-              </a:prstGeom>
-              <a:blipFill>
-                <a:blip r:embed="rId14"/>
-                <a:stretch>
-                  <a:fillRect b="-16393"/>
-                </a:stretch>
-              </a:blipFill>
-            </p:spPr>
-            <p:txBody>
-              <a:bodyPr/>
-              <a:lstStyle/>
-              <a:p>
-                <a:r>
-                  <a:rPr lang="ko-KR" altLang="en-US">
-                    <a:noFill/>
-                  </a:rPr>
-                  <a:t> </a:t>
-                </a:r>
-              </a:p>
-            </p:txBody>
-          </p:sp>
-        </mc:Fallback>
-      </mc:AlternateContent>
-      <mc:AlternateContent xmlns:mc="http://schemas.openxmlformats.org/markup-compatibility/2006">
-        <mc:Choice xmlns:a14="http://schemas.microsoft.com/office/drawing/2010/main" Requires="a14">
-          <p:sp>
-            <p:nvSpPr>
-              <p:cNvPr id="30" name="TextBox 29">
-                <a:extLst>
-                  <a:ext uri="{FF2B5EF4-FFF2-40B4-BE49-F238E27FC236}">
-                    <a16:creationId xmlns:a16="http://schemas.microsoft.com/office/drawing/2014/main" id="{61AF6313-865A-4F6F-BEC4-37CD6A54E0C9}"/>
-                  </a:ext>
-                </a:extLst>
-              </p:cNvPr>
-              <p:cNvSpPr txBox="1"/>
-              <p:nvPr/>
-            </p:nvSpPr>
-            <p:spPr>
-              <a:xfrm>
-                <a:off x="9205511" y="951454"/>
-                <a:ext cx="790281" cy="369332"/>
-              </a:xfrm>
-              <a:prstGeom prst="rect">
-                <a:avLst/>
-              </a:prstGeom>
-              <a:noFill/>
-            </p:spPr>
-            <p:txBody>
-              <a:bodyPr wrap="none" rtlCol="0">
-                <a:spAutoFit/>
-              </a:bodyPr>
-              <a:lstStyle/>
-              <a:p>
-                <a14:m>
-                  <m:oMathPara xmlns:m="http://schemas.openxmlformats.org/officeDocument/2006/math">
-                    <m:oMathParaPr>
-                      <m:jc m:val="centerGroup"/>
-                    </m:oMathParaPr>
-                    <m:oMath xmlns:m="http://schemas.openxmlformats.org/officeDocument/2006/math">
-                      <m:r>
-                        <a:rPr lang="en-US" altLang="ko-KR" b="0" i="1" smtClean="0">
-                          <a:latin typeface="Cambria Math" panose="02040503050406030204" pitchFamily="18" charset="0"/>
-                        </a:rPr>
-                        <m:t>𝑥</m:t>
-                      </m:r>
-                      <m:r>
-                        <a:rPr lang="en-US" altLang="ko-KR" b="0" i="1" smtClean="0">
-                          <a:latin typeface="Cambria Math" panose="02040503050406030204" pitchFamily="18" charset="0"/>
-                        </a:rPr>
-                        <m:t>(</m:t>
-                      </m:r>
-                      <m:sSub>
-                        <m:sSubPr>
-                          <m:ctrlPr>
-                            <a:rPr lang="en-US" altLang="ko-KR" b="0" i="1" smtClean="0">
-                              <a:latin typeface="Cambria Math" panose="02040503050406030204" pitchFamily="18" charset="0"/>
-                            </a:rPr>
-                          </m:ctrlPr>
-                        </m:sSubPr>
-                        <m:e>
-                          <m:r>
-                            <a:rPr lang="en-US" altLang="ko-KR" b="0" i="1" smtClean="0">
-                              <a:latin typeface="Cambria Math" panose="02040503050406030204" pitchFamily="18" charset="0"/>
-                            </a:rPr>
-                            <m:t>𝑇</m:t>
-                          </m:r>
-                        </m:e>
-                        <m:sub>
-                          <m:r>
-                            <a:rPr lang="en-US" altLang="ko-KR" b="0" i="1" smtClean="0">
-                              <a:latin typeface="Cambria Math" panose="02040503050406030204" pitchFamily="18" charset="0"/>
-                            </a:rPr>
-                            <m:t>𝑠</m:t>
-                          </m:r>
-                        </m:sub>
-                      </m:sSub>
-                      <m:r>
-                        <a:rPr lang="en-US" altLang="ko-KR" b="0" i="1" smtClean="0">
-                          <a:latin typeface="Cambria Math" panose="02040503050406030204" pitchFamily="18" charset="0"/>
-                        </a:rPr>
-                        <m:t>)</m:t>
-                      </m:r>
-                    </m:oMath>
-                  </m:oMathPara>
-                </a14:m>
-                <a:endParaRPr lang="ko-KR" altLang="en-US" dirty="0"/>
-              </a:p>
-            </p:txBody>
-          </p:sp>
-        </mc:Choice>
-        <mc:Fallback>
-          <p:sp>
-            <p:nvSpPr>
-              <p:cNvPr id="30" name="TextBox 29">
-                <a:extLst>
-                  <a:ext uri="{FF2B5EF4-FFF2-40B4-BE49-F238E27FC236}">
-                    <a16:creationId xmlns:a16="http://schemas.microsoft.com/office/drawing/2014/main" id="{61AF6313-865A-4F6F-BEC4-37CD6A54E0C9}"/>
-                  </a:ext>
-                </a:extLst>
-              </p:cNvPr>
-              <p:cNvSpPr txBox="1">
-                <a:spLocks noRot="1" noChangeAspect="1" noMove="1" noResize="1" noEditPoints="1" noAdjustHandles="1" noChangeArrowheads="1" noChangeShapeType="1" noTextEdit="1"/>
-              </p:cNvSpPr>
-              <p:nvPr/>
-            </p:nvSpPr>
-            <p:spPr>
-              <a:xfrm>
-                <a:off x="9205511" y="951454"/>
-                <a:ext cx="790281" cy="369332"/>
-              </a:xfrm>
-              <a:prstGeom prst="rect">
-                <a:avLst/>
-              </a:prstGeom>
-              <a:blipFill>
-                <a:blip r:embed="rId15"/>
-                <a:stretch>
-                  <a:fillRect b="-16393"/>
-                </a:stretch>
-              </a:blipFill>
-            </p:spPr>
-            <p:txBody>
-              <a:bodyPr/>
-              <a:lstStyle/>
-              <a:p>
-                <a:r>
-                  <a:rPr lang="ko-KR" altLang="en-US">
-                    <a:noFill/>
-                  </a:rPr>
-                  <a:t> </a:t>
-                </a:r>
-              </a:p>
-            </p:txBody>
-          </p:sp>
-        </mc:Fallback>
-      </mc:AlternateContent>
-      <mc:AlternateContent xmlns:mc="http://schemas.openxmlformats.org/markup-compatibility/2006">
-        <mc:Choice xmlns:a14="http://schemas.microsoft.com/office/drawing/2010/main" Requires="a14">
-          <p:sp>
-            <p:nvSpPr>
-              <p:cNvPr id="32" name="TextBox 31">
-                <a:extLst>
-                  <a:ext uri="{FF2B5EF4-FFF2-40B4-BE49-F238E27FC236}">
-                    <a16:creationId xmlns:a16="http://schemas.microsoft.com/office/drawing/2014/main" id="{AF9D0F8F-D2D6-49F1-8867-875E1DF311F6}"/>
-                  </a:ext>
-                </a:extLst>
-              </p:cNvPr>
-              <p:cNvSpPr txBox="1"/>
-              <p:nvPr/>
-            </p:nvSpPr>
-            <p:spPr>
-              <a:xfrm>
-                <a:off x="6284100" y="3779506"/>
-                <a:ext cx="918521" cy="369332"/>
-              </a:xfrm>
-              <a:prstGeom prst="rect">
-                <a:avLst/>
-              </a:prstGeom>
-              <a:noFill/>
-            </p:spPr>
-            <p:txBody>
-              <a:bodyPr wrap="none" rtlCol="0">
-                <a:spAutoFit/>
-              </a:bodyPr>
-              <a:lstStyle/>
-              <a:p>
-                <a14:m>
-                  <m:oMathPara xmlns:m="http://schemas.openxmlformats.org/officeDocument/2006/math">
-                    <m:oMathParaPr>
-                      <m:jc m:val="centerGroup"/>
-                    </m:oMathParaPr>
-                    <m:oMath xmlns:m="http://schemas.openxmlformats.org/officeDocument/2006/math">
-                      <m:sSub>
-                        <m:sSubPr>
-                          <m:ctrlPr>
-                            <a:rPr lang="en-US" altLang="ko-KR" b="0" i="1" smtClean="0">
-                              <a:latin typeface="Cambria Math" panose="02040503050406030204" pitchFamily="18" charset="0"/>
-                            </a:rPr>
-                          </m:ctrlPr>
-                        </m:sSubPr>
-                        <m:e>
-                          <m:r>
-                            <a:rPr lang="en-US" altLang="ko-KR" b="0" i="1" smtClean="0">
-                              <a:latin typeface="Cambria Math" panose="02040503050406030204" pitchFamily="18" charset="0"/>
-                            </a:rPr>
-                            <m:t>𝑥</m:t>
-                          </m:r>
-                          <m:r>
-                            <a:rPr lang="en-US" altLang="ko-KR" b="0" i="1" smtClean="0">
-                              <a:latin typeface="Cambria Math" panose="02040503050406030204" pitchFamily="18" charset="0"/>
-                            </a:rPr>
-                            <m:t>(2</m:t>
-                          </m:r>
-                          <m:r>
-                            <a:rPr lang="en-US" altLang="ko-KR" b="0" i="1" smtClean="0">
-                              <a:latin typeface="Cambria Math" panose="02040503050406030204" pitchFamily="18" charset="0"/>
-                            </a:rPr>
-                            <m:t>𝑇</m:t>
-                          </m:r>
-                        </m:e>
-                        <m:sub>
-                          <m:r>
-                            <a:rPr lang="en-US" altLang="ko-KR" b="0" i="1" smtClean="0">
-                              <a:latin typeface="Cambria Math" panose="02040503050406030204" pitchFamily="18" charset="0"/>
-                            </a:rPr>
-                            <m:t>𝑠</m:t>
-                          </m:r>
-                        </m:sub>
-                      </m:sSub>
-                      <m:r>
-                        <a:rPr lang="en-US" altLang="ko-KR" b="0" i="1" smtClean="0">
-                          <a:latin typeface="Cambria Math" panose="02040503050406030204" pitchFamily="18" charset="0"/>
-                        </a:rPr>
-                        <m:t>)</m:t>
-                      </m:r>
-                    </m:oMath>
-                  </m:oMathPara>
-                </a14:m>
-                <a:endParaRPr lang="ko-KR" altLang="en-US" dirty="0"/>
-              </a:p>
-            </p:txBody>
-          </p:sp>
-        </mc:Choice>
-        <mc:Fallback>
-          <p:sp>
-            <p:nvSpPr>
-              <p:cNvPr id="32" name="TextBox 31">
-                <a:extLst>
-                  <a:ext uri="{FF2B5EF4-FFF2-40B4-BE49-F238E27FC236}">
-                    <a16:creationId xmlns:a16="http://schemas.microsoft.com/office/drawing/2014/main" id="{AF9D0F8F-D2D6-49F1-8867-875E1DF311F6}"/>
-                  </a:ext>
-                </a:extLst>
-              </p:cNvPr>
-              <p:cNvSpPr txBox="1">
-                <a:spLocks noRot="1" noChangeAspect="1" noMove="1" noResize="1" noEditPoints="1" noAdjustHandles="1" noChangeArrowheads="1" noChangeShapeType="1" noTextEdit="1"/>
-              </p:cNvSpPr>
-              <p:nvPr/>
-            </p:nvSpPr>
-            <p:spPr>
-              <a:xfrm>
-                <a:off x="6284100" y="3779506"/>
-                <a:ext cx="918521" cy="369332"/>
-              </a:xfrm>
-              <a:prstGeom prst="rect">
-                <a:avLst/>
-              </a:prstGeom>
-              <a:blipFill>
-                <a:blip r:embed="rId16"/>
-                <a:stretch>
-                  <a:fillRect b="-14754"/>
-                </a:stretch>
-              </a:blipFill>
-            </p:spPr>
-            <p:txBody>
-              <a:bodyPr/>
-              <a:lstStyle/>
-              <a:p>
-                <a:r>
-                  <a:rPr lang="ko-KR" altLang="en-US">
-                    <a:noFill/>
-                  </a:rPr>
-                  <a:t> </a:t>
-                </a:r>
-              </a:p>
-            </p:txBody>
-          </p:sp>
-        </mc:Fallback>
-      </mc:AlternateContent>
-      <mc:AlternateContent xmlns:mc="http://schemas.openxmlformats.org/markup-compatibility/2006">
-        <mc:Choice xmlns:a14="http://schemas.microsoft.com/office/drawing/2010/main" Requires="a14">
-          <p:sp>
-            <p:nvSpPr>
-              <p:cNvPr id="33" name="TextBox 32">
-                <a:extLst>
-                  <a:ext uri="{FF2B5EF4-FFF2-40B4-BE49-F238E27FC236}">
-                    <a16:creationId xmlns:a16="http://schemas.microsoft.com/office/drawing/2014/main" id="{60E19A08-5E5E-46C4-8FC1-27D58B73640B}"/>
-                  </a:ext>
-                </a:extLst>
-              </p:cNvPr>
-              <p:cNvSpPr txBox="1"/>
-              <p:nvPr/>
-            </p:nvSpPr>
-            <p:spPr>
-              <a:xfrm>
-                <a:off x="11312238" y="4373623"/>
-                <a:ext cx="918521" cy="369332"/>
-              </a:xfrm>
-              <a:prstGeom prst="rect">
-                <a:avLst/>
-              </a:prstGeom>
-              <a:noFill/>
-            </p:spPr>
-            <p:txBody>
-              <a:bodyPr wrap="none" rtlCol="0">
-                <a:spAutoFit/>
-              </a:bodyPr>
-              <a:lstStyle/>
-              <a:p>
-                <a14:m>
-                  <m:oMathPara xmlns:m="http://schemas.openxmlformats.org/officeDocument/2006/math">
-                    <m:oMathParaPr>
-                      <m:jc m:val="centerGroup"/>
-                    </m:oMathParaPr>
-                    <m:oMath xmlns:m="http://schemas.openxmlformats.org/officeDocument/2006/math">
-                      <m:sSub>
-                        <m:sSubPr>
-                          <m:ctrlPr>
-                            <a:rPr lang="en-US" altLang="ko-KR" b="0" i="1" smtClean="0">
-                              <a:latin typeface="Cambria Math" panose="02040503050406030204" pitchFamily="18" charset="0"/>
-                            </a:rPr>
-                          </m:ctrlPr>
-                        </m:sSubPr>
-                        <m:e>
-                          <m:r>
-                            <a:rPr lang="en-US" altLang="ko-KR" b="0" i="1" smtClean="0">
-                              <a:latin typeface="Cambria Math" panose="02040503050406030204" pitchFamily="18" charset="0"/>
-                            </a:rPr>
-                            <m:t>𝑥</m:t>
-                          </m:r>
-                          <m:r>
-                            <a:rPr lang="en-US" altLang="ko-KR" b="0" i="1" smtClean="0">
-                              <a:latin typeface="Cambria Math" panose="02040503050406030204" pitchFamily="18" charset="0"/>
-                            </a:rPr>
-                            <m:t>(5</m:t>
-                          </m:r>
-                          <m:r>
-                            <a:rPr lang="en-US" altLang="ko-KR" b="0" i="1" smtClean="0">
-                              <a:latin typeface="Cambria Math" panose="02040503050406030204" pitchFamily="18" charset="0"/>
-                            </a:rPr>
-                            <m:t>𝑇</m:t>
-                          </m:r>
-                        </m:e>
-                        <m:sub>
-                          <m:r>
-                            <a:rPr lang="en-US" altLang="ko-KR" b="0" i="1" smtClean="0">
-                              <a:latin typeface="Cambria Math" panose="02040503050406030204" pitchFamily="18" charset="0"/>
-                            </a:rPr>
-                            <m:t>𝑠</m:t>
-                          </m:r>
-                        </m:sub>
-                      </m:sSub>
-                      <m:r>
-                        <a:rPr lang="en-US" altLang="ko-KR" b="0" i="1" smtClean="0">
-                          <a:latin typeface="Cambria Math" panose="02040503050406030204" pitchFamily="18" charset="0"/>
-                        </a:rPr>
-                        <m:t>)</m:t>
-                      </m:r>
-                    </m:oMath>
-                  </m:oMathPara>
-                </a14:m>
-                <a:endParaRPr lang="ko-KR" altLang="en-US" dirty="0"/>
-              </a:p>
-            </p:txBody>
-          </p:sp>
-        </mc:Choice>
-        <mc:Fallback>
-          <p:sp>
-            <p:nvSpPr>
-              <p:cNvPr id="33" name="TextBox 32">
-                <a:extLst>
-                  <a:ext uri="{FF2B5EF4-FFF2-40B4-BE49-F238E27FC236}">
-                    <a16:creationId xmlns:a16="http://schemas.microsoft.com/office/drawing/2014/main" id="{60E19A08-5E5E-46C4-8FC1-27D58B73640B}"/>
-                  </a:ext>
-                </a:extLst>
-              </p:cNvPr>
-              <p:cNvSpPr txBox="1">
-                <a:spLocks noRot="1" noChangeAspect="1" noMove="1" noResize="1" noEditPoints="1" noAdjustHandles="1" noChangeArrowheads="1" noChangeShapeType="1" noTextEdit="1"/>
-              </p:cNvSpPr>
-              <p:nvPr/>
-            </p:nvSpPr>
-            <p:spPr>
-              <a:xfrm>
-                <a:off x="11312238" y="4373623"/>
-                <a:ext cx="918521" cy="369332"/>
-              </a:xfrm>
-              <a:prstGeom prst="rect">
-                <a:avLst/>
-              </a:prstGeom>
-              <a:blipFill>
-                <a:blip r:embed="rId17"/>
+                <a:blip r:embed="rId8"/>
                 <a:stretch>
                   <a:fillRect b="-16393"/>
                 </a:stretch>
@@ -5091,7 +5941,7 @@
     </p:spTree>
     <p:extLst>
       <p:ext uri="{BB962C8B-B14F-4D97-AF65-F5344CB8AC3E}">
-        <p14:creationId xmlns:p14="http://schemas.microsoft.com/office/powerpoint/2010/main" val="687881951"/>
+        <p14:creationId xmlns:p14="http://schemas.microsoft.com/office/powerpoint/2010/main" val="607654314"/>
       </p:ext>
     </p:extLst>
   </p:cSld>

--- a/pics/CT_Convolution/pics.pptx
+++ b/pics/CT_Convolution/pics.pptx
@@ -5171,8 +5171,8 @@
           </a:prstGeom>
         </p:spPr>
       </p:pic>
-      <mc:AlternateContent xmlns:mc="http://schemas.openxmlformats.org/markup-compatibility/2006">
-        <mc:Choice xmlns:a14="http://schemas.microsoft.com/office/drawing/2010/main" Requires="a14">
+      <mc:AlternateContent xmlns:mc="http://schemas.openxmlformats.org/markup-compatibility/2006" xmlns:a14="http://schemas.microsoft.com/office/drawing/2010/main">
+        <mc:Choice Requires="a14">
           <p:sp>
             <p:nvSpPr>
               <p:cNvPr id="20" name="TextBox 19">
@@ -5259,7 +5259,7 @@
             </p:txBody>
           </p:sp>
         </mc:Choice>
-        <mc:Fallback>
+        <mc:Fallback xmlns="">
           <p:sp>
             <p:nvSpPr>
               <p:cNvPr id="20" name="TextBox 19">
@@ -5304,8 +5304,8 @@
           </p:sp>
         </mc:Fallback>
       </mc:AlternateContent>
-      <mc:AlternateContent xmlns:mc="http://schemas.openxmlformats.org/markup-compatibility/2006">
-        <mc:Choice xmlns:a14="http://schemas.microsoft.com/office/drawing/2010/main" Requires="a14">
+      <mc:AlternateContent xmlns:mc="http://schemas.openxmlformats.org/markup-compatibility/2006" xmlns:a14="http://schemas.microsoft.com/office/drawing/2010/main">
+        <mc:Choice Requires="a14">
           <p:sp>
             <p:nvSpPr>
               <p:cNvPr id="21" name="TextBox 20">
@@ -5392,7 +5392,7 @@
             </p:txBody>
           </p:sp>
         </mc:Choice>
-        <mc:Fallback>
+        <mc:Fallback xmlns="">
           <p:sp>
             <p:nvSpPr>
               <p:cNvPr id="21" name="TextBox 20">
@@ -5437,8 +5437,8 @@
           </p:sp>
         </mc:Fallback>
       </mc:AlternateContent>
-      <mc:AlternateContent xmlns:mc="http://schemas.openxmlformats.org/markup-compatibility/2006">
-        <mc:Choice xmlns:a14="http://schemas.microsoft.com/office/drawing/2010/main" Requires="a14">
+      <mc:AlternateContent xmlns:mc="http://schemas.openxmlformats.org/markup-compatibility/2006" xmlns:a14="http://schemas.microsoft.com/office/drawing/2010/main">
+        <mc:Choice Requires="a14">
           <p:sp>
             <p:nvSpPr>
               <p:cNvPr id="23" name="TextBox 22">
@@ -5525,7 +5525,7 @@
             </p:txBody>
           </p:sp>
         </mc:Choice>
-        <mc:Fallback>
+        <mc:Fallback xmlns="">
           <p:sp>
             <p:nvSpPr>
               <p:cNvPr id="23" name="TextBox 22">
@@ -5570,8 +5570,8 @@
           </p:sp>
         </mc:Fallback>
       </mc:AlternateContent>
-      <mc:AlternateContent xmlns:mc="http://schemas.openxmlformats.org/markup-compatibility/2006">
-        <mc:Choice xmlns:a14="http://schemas.microsoft.com/office/drawing/2010/main" Requires="a14">
+      <mc:AlternateContent xmlns:mc="http://schemas.openxmlformats.org/markup-compatibility/2006" xmlns:a14="http://schemas.microsoft.com/office/drawing/2010/main">
+        <mc:Choice Requires="a14">
           <p:sp>
             <p:nvSpPr>
               <p:cNvPr id="24" name="TextBox 23">
@@ -5658,7 +5658,7 @@
             </p:txBody>
           </p:sp>
         </mc:Choice>
-        <mc:Fallback>
+        <mc:Fallback xmlns="">
           <p:sp>
             <p:nvSpPr>
               <p:cNvPr id="24" name="TextBox 23">
@@ -5703,8 +5703,8 @@
           </p:sp>
         </mc:Fallback>
       </mc:AlternateContent>
-      <mc:AlternateContent xmlns:mc="http://schemas.openxmlformats.org/markup-compatibility/2006">
-        <mc:Choice xmlns:a14="http://schemas.microsoft.com/office/drawing/2010/main" Requires="a14">
+      <mc:AlternateContent xmlns:mc="http://schemas.openxmlformats.org/markup-compatibility/2006" xmlns:a14="http://schemas.microsoft.com/office/drawing/2010/main">
+        <mc:Choice Requires="a14">
           <p:sp>
             <p:nvSpPr>
               <p:cNvPr id="25" name="TextBox 24">
@@ -5760,7 +5760,7 @@
             </p:txBody>
           </p:sp>
         </mc:Choice>
-        <mc:Fallback>
+        <mc:Fallback xmlns="">
           <p:sp>
             <p:nvSpPr>
               <p:cNvPr id="25" name="TextBox 24">
@@ -5805,8 +5805,8 @@
           </p:sp>
         </mc:Fallback>
       </mc:AlternateContent>
-      <mc:AlternateContent xmlns:mc="http://schemas.openxmlformats.org/markup-compatibility/2006">
-        <mc:Choice xmlns:a14="http://schemas.microsoft.com/office/drawing/2010/main" Requires="a14">
+      <mc:AlternateContent xmlns:mc="http://schemas.openxmlformats.org/markup-compatibility/2006" xmlns:a14="http://schemas.microsoft.com/office/drawing/2010/main">
+        <mc:Choice Requires="a14">
           <p:sp>
             <p:nvSpPr>
               <p:cNvPr id="28" name="TextBox 27">
@@ -5893,7 +5893,7 @@
             </p:txBody>
           </p:sp>
         </mc:Choice>
-        <mc:Fallback>
+        <mc:Fallback xmlns="">
           <p:sp>
             <p:nvSpPr>
               <p:cNvPr id="28" name="TextBox 27">
@@ -5938,6 +5938,50 @@
           </p:sp>
         </mc:Fallback>
       </mc:AlternateContent>
+      <p:cxnSp>
+        <p:nvCxnSpPr>
+          <p:cNvPr id="3" name="직선 화살표 연결선 2">
+            <a:extLst>
+              <a:ext uri="{FF2B5EF4-FFF2-40B4-BE49-F238E27FC236}">
+                <a16:creationId xmlns:a16="http://schemas.microsoft.com/office/drawing/2014/main" id="{3629CB39-4692-407C-8F4D-45BE7B9BB143}"/>
+              </a:ext>
+            </a:extLst>
+          </p:cNvPr>
+          <p:cNvCxnSpPr>
+            <a:cxnSpLocks/>
+          </p:cNvCxnSpPr>
+          <p:nvPr/>
+        </p:nvCxnSpPr>
+        <p:spPr>
+          <a:xfrm flipH="1" flipV="1">
+            <a:off x="4701832" y="2255281"/>
+            <a:ext cx="396823" cy="837398"/>
+          </a:xfrm>
+          <a:prstGeom prst="straightConnector1">
+            <a:avLst/>
+          </a:prstGeom>
+          <a:ln w="57150">
+            <a:solidFill>
+              <a:srgbClr val="FF0000"/>
+            </a:solidFill>
+            <a:tailEnd type="triangle"/>
+          </a:ln>
+        </p:spPr>
+        <p:style>
+          <a:lnRef idx="1">
+            <a:schemeClr val="accent1"/>
+          </a:lnRef>
+          <a:fillRef idx="0">
+            <a:schemeClr val="accent1"/>
+          </a:fillRef>
+          <a:effectRef idx="0">
+            <a:schemeClr val="accent1"/>
+          </a:effectRef>
+          <a:fontRef idx="minor">
+            <a:schemeClr val="tx1"/>
+          </a:fontRef>
+        </p:style>
+      </p:cxnSp>
     </p:spTree>
     <p:extLst>
       <p:ext uri="{BB962C8B-B14F-4D97-AF65-F5344CB8AC3E}">

--- a/pics/CT_Convolution/pics.pptx
+++ b/pics/CT_Convolution/pics.pptx
@@ -6,7 +6,8 @@
   </p:sldMasterIdLst>
   <p:sldIdLst>
     <p:sldId id="256" r:id="rId2"/>
-    <p:sldId id="257" r:id="rId3"/>
+    <p:sldId id="258" r:id="rId3"/>
+    <p:sldId id="257" r:id="rId4"/>
   </p:sldIdLst>
   <p:sldSz cx="12192000" cy="6858000"/>
   <p:notesSz cx="6858000" cy="9144000"/>
@@ -5137,6 +5138,150 @@
       </p:grpSpPr>
       <p:pic>
         <p:nvPicPr>
+          <p:cNvPr id="5" name="그림 4">
+            <a:extLst>
+              <a:ext uri="{FF2B5EF4-FFF2-40B4-BE49-F238E27FC236}">
+                <a16:creationId xmlns:a16="http://schemas.microsoft.com/office/drawing/2014/main" id="{854D877E-15F8-46D6-B36C-3CE7A2D53FDA}"/>
+              </a:ext>
+            </a:extLst>
+          </p:cNvPr>
+          <p:cNvPicPr>
+            <a:picLocks noChangeAspect="1"/>
+          </p:cNvPicPr>
+          <p:nvPr/>
+        </p:nvPicPr>
+        <p:blipFill>
+          <a:blip r:embed="rId2">
+            <a:extLst>
+              <a:ext uri="{28A0092B-C50C-407E-A947-70E740481C1C}">
+                <a14:useLocalDpi xmlns:a14="http://schemas.microsoft.com/office/drawing/2010/main" val="0"/>
+              </a:ext>
+            </a:extLst>
+          </a:blip>
+          <a:stretch>
+            <a:fillRect/>
+          </a:stretch>
+        </p:blipFill>
+        <p:spPr>
+          <a:xfrm>
+            <a:off x="3714207" y="1828435"/>
+            <a:ext cx="4763585" cy="3201129"/>
+          </a:xfrm>
+          <a:prstGeom prst="rect">
+            <a:avLst/>
+          </a:prstGeom>
+        </p:spPr>
+      </p:pic>
+      <p:cxnSp>
+        <p:nvCxnSpPr>
+          <p:cNvPr id="7" name="직선 화살표 연결선 6">
+            <a:extLst>
+              <a:ext uri="{FF2B5EF4-FFF2-40B4-BE49-F238E27FC236}">
+                <a16:creationId xmlns:a16="http://schemas.microsoft.com/office/drawing/2014/main" id="{A8B9891D-E924-4209-AC7C-B083CC23BEFD}"/>
+              </a:ext>
+            </a:extLst>
+          </p:cNvPr>
+          <p:cNvCxnSpPr>
+            <a:cxnSpLocks/>
+          </p:cNvCxnSpPr>
+          <p:nvPr/>
+        </p:nvCxnSpPr>
+        <p:spPr>
+          <a:xfrm>
+            <a:off x="5589972" y="4305671"/>
+            <a:ext cx="1272467" cy="0"/>
+          </a:xfrm>
+          <a:prstGeom prst="straightConnector1">
+            <a:avLst/>
+          </a:prstGeom>
+          <a:ln>
+            <a:headEnd type="triangle"/>
+            <a:tailEnd type="triangle"/>
+          </a:ln>
+        </p:spPr>
+        <p:style>
+          <a:lnRef idx="1">
+            <a:schemeClr val="accent1"/>
+          </a:lnRef>
+          <a:fillRef idx="0">
+            <a:schemeClr val="accent1"/>
+          </a:fillRef>
+          <a:effectRef idx="0">
+            <a:schemeClr val="accent1"/>
+          </a:effectRef>
+          <a:fontRef idx="minor">
+            <a:schemeClr val="tx1"/>
+          </a:fontRef>
+        </p:style>
+      </p:cxnSp>
+      <p:sp>
+        <p:nvSpPr>
+          <p:cNvPr id="9" name="TextBox 8">
+            <a:extLst>
+              <a:ext uri="{FF2B5EF4-FFF2-40B4-BE49-F238E27FC236}">
+                <a16:creationId xmlns:a16="http://schemas.microsoft.com/office/drawing/2014/main" id="{75842300-9439-4997-8B12-3671D9DAC754}"/>
+              </a:ext>
+            </a:extLst>
+          </p:cNvPr>
+          <p:cNvSpPr txBox="1"/>
+          <p:nvPr/>
+        </p:nvSpPr>
+        <p:spPr>
+          <a:xfrm>
+            <a:off x="6064943" y="3936339"/>
+            <a:ext cx="322524" cy="369332"/>
+          </a:xfrm>
+          <a:prstGeom prst="rect">
+            <a:avLst/>
+          </a:prstGeom>
+          <a:noFill/>
+        </p:spPr>
+        <p:txBody>
+          <a:bodyPr wrap="none" rtlCol="0">
+            <a:spAutoFit/>
+          </a:bodyPr>
+          <a:lstStyle/>
+          <a:p>
+            <a:r>
+              <a:rPr lang="en-US" altLang="ko-KR" dirty="0"/>
+              <a:t>b</a:t>
+            </a:r>
+            <a:endParaRPr lang="ko-KR" altLang="en-US" dirty="0"/>
+          </a:p>
+        </p:txBody>
+      </p:sp>
+    </p:spTree>
+    <p:extLst>
+      <p:ext uri="{BB962C8B-B14F-4D97-AF65-F5344CB8AC3E}">
+        <p14:creationId xmlns:p14="http://schemas.microsoft.com/office/powerpoint/2010/main" val="67730459"/>
+      </p:ext>
+    </p:extLst>
+  </p:cSld>
+  <p:clrMapOvr>
+    <a:masterClrMapping/>
+  </p:clrMapOvr>
+</p:sld>
+</file>
+
+<file path=ppt/slides/slide3.xml><?xml version="1.0" encoding="utf-8"?>
+<p:sld xmlns:a="http://schemas.openxmlformats.org/drawingml/2006/main" xmlns:r="http://schemas.openxmlformats.org/officeDocument/2006/relationships" xmlns:p="http://schemas.openxmlformats.org/presentationml/2006/main">
+  <p:cSld>
+    <p:spTree>
+      <p:nvGrpSpPr>
+        <p:cNvPr id="1" name=""/>
+        <p:cNvGrpSpPr/>
+        <p:nvPr/>
+      </p:nvGrpSpPr>
+      <p:grpSpPr>
+        <a:xfrm>
+          <a:off x="0" y="0"/>
+          <a:ext cx="0" cy="0"/>
+          <a:chOff x="0" y="0"/>
+          <a:chExt cx="0" cy="0"/>
+        </a:xfrm>
+      </p:grpSpPr>
+      <p:pic>
+        <p:nvPicPr>
           <p:cNvPr id="5" name="그림 4" descr="텍스트, 지도이(가) 표시된 사진&#10;&#10;자동 생성된 설명">
             <a:extLst>
               <a:ext uri="{FF2B5EF4-FFF2-40B4-BE49-F238E27FC236}">
